--- a/Slides/0923Recitation.pptx
+++ b/Slides/0923Recitation.pptx
@@ -209,7 +209,7 @@
           <a:p>
             <a:fld id="{4B2C3995-10D3-7249-9CF2-C18001382AD9}" type="datetimeFigureOut">
               <a:rPr lang="en-US" smtClean="0"/>
-              <a:t>9/22/21</a:t>
+              <a:t>9/23/21</a:t>
             </a:fld>
             <a:endParaRPr lang="en-US"/>
           </a:p>
@@ -662,7 +662,7 @@
           <a:p>
             <a:fld id="{4AAD347D-5ACD-4C99-B74B-A9C85AD731AF}" type="datetimeFigureOut">
               <a:rPr lang="en-US" dirty="0"/>
-              <a:t>9/22/21</a:t>
+              <a:t>9/23/21</a:t>
             </a:fld>
             <a:endParaRPr lang="en-US" dirty="0"/>
           </a:p>
@@ -932,7 +932,7 @@
           <a:p>
             <a:fld id="{4509A250-FF31-4206-8172-F9D3106AACB1}" type="datetimeFigureOut">
               <a:rPr lang="en-US" dirty="0"/>
-              <a:t>9/22/21</a:t>
+              <a:t>9/23/21</a:t>
             </a:fld>
             <a:endParaRPr lang="en-US" dirty="0"/>
           </a:p>
@@ -1121,7 +1121,7 @@
           <a:p>
             <a:fld id="{4509A250-FF31-4206-8172-F9D3106AACB1}" type="datetimeFigureOut">
               <a:rPr lang="en-US" dirty="0"/>
-              <a:t>9/22/21</a:t>
+              <a:t>9/23/21</a:t>
             </a:fld>
             <a:endParaRPr lang="en-US" dirty="0"/>
           </a:p>
@@ -1389,7 +1389,7 @@
           <a:p>
             <a:fld id="{4509A250-FF31-4206-8172-F9D3106AACB1}" type="datetimeFigureOut">
               <a:rPr lang="en-US" dirty="0"/>
-              <a:t>9/22/21</a:t>
+              <a:t>9/23/21</a:t>
             </a:fld>
             <a:endParaRPr lang="en-US" dirty="0"/>
           </a:p>
@@ -1725,7 +1725,7 @@
           <a:p>
             <a:fld id="{4509A250-FF31-4206-8172-F9D3106AACB1}" type="datetimeFigureOut">
               <a:rPr lang="en-US" dirty="0"/>
-              <a:t>9/22/21</a:t>
+              <a:t>9/23/21</a:t>
             </a:fld>
             <a:endParaRPr lang="en-US" dirty="0"/>
           </a:p>
@@ -2343,7 +2343,7 @@
           <a:p>
             <a:fld id="{4509A250-FF31-4206-8172-F9D3106AACB1}" type="datetimeFigureOut">
               <a:rPr lang="en-US" dirty="0"/>
-              <a:t>9/22/21</a:t>
+              <a:t>9/23/21</a:t>
             </a:fld>
             <a:endParaRPr lang="en-US" dirty="0"/>
           </a:p>
@@ -3198,7 +3198,7 @@
           <a:p>
             <a:fld id="{4509A250-FF31-4206-8172-F9D3106AACB1}" type="datetimeFigureOut">
               <a:rPr lang="en-US" dirty="0"/>
-              <a:t>9/22/21</a:t>
+              <a:t>9/23/21</a:t>
             </a:fld>
             <a:endParaRPr lang="en-US" dirty="0"/>
           </a:p>
@@ -3363,7 +3363,7 @@
           <a:p>
             <a:fld id="{4509A250-FF31-4206-8172-F9D3106AACB1}" type="datetimeFigureOut">
               <a:rPr lang="en-US" dirty="0"/>
-              <a:t>9/22/21</a:t>
+              <a:t>9/23/21</a:t>
             </a:fld>
             <a:endParaRPr lang="en-US" dirty="0"/>
           </a:p>
@@ -3538,7 +3538,7 @@
           <a:p>
             <a:fld id="{4509A250-FF31-4206-8172-F9D3106AACB1}" type="datetimeFigureOut">
               <a:rPr lang="en-US" dirty="0"/>
-              <a:t>9/22/21</a:t>
+              <a:t>9/23/21</a:t>
             </a:fld>
             <a:endParaRPr lang="en-US" dirty="0"/>
           </a:p>
@@ -3703,7 +3703,7 @@
           <a:p>
             <a:fld id="{4509A250-FF31-4206-8172-F9D3106AACB1}" type="datetimeFigureOut">
               <a:rPr lang="en-US" dirty="0"/>
-              <a:t>9/22/21</a:t>
+              <a:t>9/23/21</a:t>
             </a:fld>
             <a:endParaRPr lang="en-US" dirty="0"/>
           </a:p>
@@ -3945,7 +3945,7 @@
           <a:p>
             <a:fld id="{9796027F-7875-4030-9381-8BD8C4F21935}" type="datetimeFigureOut">
               <a:rPr lang="en-US" dirty="0"/>
-              <a:t>9/22/21</a:t>
+              <a:t>9/23/21</a:t>
             </a:fld>
             <a:endParaRPr lang="en-US" dirty="0"/>
           </a:p>
@@ -4232,7 +4232,7 @@
           <a:p>
             <a:fld id="{9796027F-7875-4030-9381-8BD8C4F21935}" type="datetimeFigureOut">
               <a:rPr lang="en-US" dirty="0"/>
-              <a:t>9/22/21</a:t>
+              <a:t>9/23/21</a:t>
             </a:fld>
             <a:endParaRPr lang="en-US" dirty="0"/>
           </a:p>
@@ -4671,7 +4671,7 @@
           <a:p>
             <a:fld id="{9796027F-7875-4030-9381-8BD8C4F21935}" type="datetimeFigureOut">
               <a:rPr lang="en-US" dirty="0"/>
-              <a:t>9/22/21</a:t>
+              <a:t>9/23/21</a:t>
             </a:fld>
             <a:endParaRPr lang="en-US" dirty="0"/>
           </a:p>
@@ -4784,7 +4784,7 @@
           <a:p>
             <a:fld id="{4509A250-FF31-4206-8172-F9D3106AACB1}" type="datetimeFigureOut">
               <a:rPr lang="en-US" dirty="0"/>
-              <a:t>9/22/21</a:t>
+              <a:t>9/23/21</a:t>
             </a:fld>
             <a:endParaRPr lang="en-US" dirty="0"/>
           </a:p>
@@ -4874,7 +4874,7 @@
           <a:p>
             <a:fld id="{4509A250-FF31-4206-8172-F9D3106AACB1}" type="datetimeFigureOut">
               <a:rPr lang="en-US" dirty="0"/>
-              <a:t>9/22/21</a:t>
+              <a:t>9/23/21</a:t>
             </a:fld>
             <a:endParaRPr lang="en-US" dirty="0"/>
           </a:p>
@@ -5148,7 +5148,7 @@
           <a:p>
             <a:fld id="{4509A250-FF31-4206-8172-F9D3106AACB1}" type="datetimeFigureOut">
               <a:rPr lang="en-US" dirty="0"/>
-              <a:t>9/22/21</a:t>
+              <a:t>9/23/21</a:t>
             </a:fld>
             <a:endParaRPr lang="en-US" dirty="0"/>
           </a:p>
@@ -5418,7 +5418,7 @@
           <a:p>
             <a:fld id="{4509A250-FF31-4206-8172-F9D3106AACB1}" type="datetimeFigureOut">
               <a:rPr lang="en-US" dirty="0"/>
-              <a:t>9/22/21</a:t>
+              <a:t>9/23/21</a:t>
             </a:fld>
             <a:endParaRPr lang="en-US" dirty="0"/>
           </a:p>
@@ -5842,7 +5842,7 @@
           <a:p>
             <a:fld id="{4AAD347D-5ACD-4C99-B74B-A9C85AD731AF}" type="datetimeFigureOut">
               <a:rPr lang="en-US" dirty="0"/>
-              <a:t>9/22/21</a:t>
+              <a:t>9/23/21</a:t>
             </a:fld>
             <a:endParaRPr lang="en-US" dirty="0"/>
           </a:p>
@@ -6814,10 +6814,21 @@
           </a:bodyPr>
           <a:lstStyle/>
           <a:p>
+            <a:pPr algn="ctr"/>
             <a:r>
               <a:rPr lang="en-US" sz="6600" dirty="0"/>
               <a:t>MIDTERM Q&amp;A</a:t>
             </a:r>
+            <a:br>
+              <a:rPr lang="en-US" sz="6600" dirty="0"/>
+            </a:br>
+            <a:r>
+              <a:rPr lang="en-US" sz="1800" dirty="0">
+                <a:hlinkClick r:id="rId2"/>
+              </a:rPr>
+              <a:t>And then a Kahoot</a:t>
+            </a:r>
+            <a:endParaRPr lang="en-US" sz="1800" dirty="0"/>
           </a:p>
         </p:txBody>
       </p:sp>

--- a/Slides/0923Recitation.pptx
+++ b/Slides/0923Recitation.pptx
@@ -5,22 +5,23 @@
     <p:sldMasterId id="2147483648" r:id="rId1"/>
   </p:sldMasterIdLst>
   <p:notesMasterIdLst>
-    <p:notesMasterId r:id="rId15"/>
+    <p:notesMasterId r:id="rId16"/>
   </p:notesMasterIdLst>
   <p:sldIdLst>
     <p:sldId id="256" r:id="rId2"/>
     <p:sldId id="286" r:id="rId3"/>
-    <p:sldId id="287" r:id="rId4"/>
-    <p:sldId id="288" r:id="rId5"/>
-    <p:sldId id="289" r:id="rId6"/>
-    <p:sldId id="290" r:id="rId7"/>
-    <p:sldId id="291" r:id="rId8"/>
-    <p:sldId id="292" r:id="rId9"/>
-    <p:sldId id="293" r:id="rId10"/>
-    <p:sldId id="294" r:id="rId11"/>
-    <p:sldId id="295" r:id="rId12"/>
-    <p:sldId id="296" r:id="rId13"/>
-    <p:sldId id="297" r:id="rId14"/>
+    <p:sldId id="298" r:id="rId4"/>
+    <p:sldId id="287" r:id="rId5"/>
+    <p:sldId id="288" r:id="rId6"/>
+    <p:sldId id="289" r:id="rId7"/>
+    <p:sldId id="290" r:id="rId8"/>
+    <p:sldId id="291" r:id="rId9"/>
+    <p:sldId id="292" r:id="rId10"/>
+    <p:sldId id="293" r:id="rId11"/>
+    <p:sldId id="294" r:id="rId12"/>
+    <p:sldId id="295" r:id="rId13"/>
+    <p:sldId id="296" r:id="rId14"/>
+    <p:sldId id="297" r:id="rId15"/>
   </p:sldIdLst>
   <p:sldSz cx="12192000" cy="6858000"/>
   <p:notesSz cx="6858000" cy="9144000"/>
@@ -6471,1907 +6472,6 @@
 </file>
 
 <file path=ppt/slides/slide10.xml><?xml version="1.0" encoding="utf-8"?>
-<p:sld xmlns:a="http://schemas.openxmlformats.org/drawingml/2006/main" xmlns:r="http://schemas.openxmlformats.org/officeDocument/2006/relationships" xmlns:p="http://schemas.openxmlformats.org/presentationml/2006/main">
-  <p:cSld>
-    <p:spTree>
-      <p:nvGrpSpPr>
-        <p:cNvPr id="1" name=""/>
-        <p:cNvGrpSpPr/>
-        <p:nvPr/>
-      </p:nvGrpSpPr>
-      <p:grpSpPr>
-        <a:xfrm>
-          <a:off x="0" y="0"/>
-          <a:ext cx="0" cy="0"/>
-          <a:chOff x="0" y="0"/>
-          <a:chExt cx="0" cy="0"/>
-        </a:xfrm>
-      </p:grpSpPr>
-      <p:sp>
-        <p:nvSpPr>
-          <p:cNvPr id="2" name="Title 1">
-            <a:extLst>
-              <a:ext uri="{FF2B5EF4-FFF2-40B4-BE49-F238E27FC236}">
-                <a16:creationId xmlns:a16="http://schemas.microsoft.com/office/drawing/2014/main" id="{219734E1-BEC5-4F66-8244-EB9C5AE4BAF2}"/>
-              </a:ext>
-            </a:extLst>
-          </p:cNvPr>
-          <p:cNvSpPr>
-            <a:spLocks noGrp="1"/>
-          </p:cNvSpPr>
-          <p:nvPr>
-            <p:ph type="title"/>
-          </p:nvPr>
-        </p:nvSpPr>
-        <p:spPr/>
-        <p:txBody>
-          <a:bodyPr/>
-          <a:lstStyle/>
-          <a:p>
-            <a:r>
-              <a:rPr lang="en-US" dirty="0"/>
-              <a:t>SWITCH CASE</a:t>
-            </a:r>
-          </a:p>
-        </p:txBody>
-      </p:sp>
-      <p:pic>
-        <p:nvPicPr>
-          <p:cNvPr id="5" name="Picture 4">
-            <a:extLst>
-              <a:ext uri="{FF2B5EF4-FFF2-40B4-BE49-F238E27FC236}">
-                <a16:creationId xmlns:a16="http://schemas.microsoft.com/office/drawing/2014/main" id="{A91193D3-ADB2-44DA-B580-9B370A77AF10}"/>
-              </a:ext>
-            </a:extLst>
-          </p:cNvPr>
-          <p:cNvPicPr>
-            <a:picLocks noChangeAspect="1"/>
-          </p:cNvPicPr>
-          <p:nvPr/>
-        </p:nvPicPr>
-        <p:blipFill>
-          <a:blip r:embed="rId2"/>
-          <a:stretch>
-            <a:fillRect/>
-          </a:stretch>
-        </p:blipFill>
-        <p:spPr>
-          <a:xfrm>
-            <a:off x="6047709" y="0"/>
-            <a:ext cx="4373636" cy="6858000"/>
-          </a:xfrm>
-          <a:prstGeom prst="rect">
-            <a:avLst/>
-          </a:prstGeom>
-        </p:spPr>
-      </p:pic>
-      <p:sp>
-        <p:nvSpPr>
-          <p:cNvPr id="6" name="Content Placeholder 2">
-            <a:extLst>
-              <a:ext uri="{FF2B5EF4-FFF2-40B4-BE49-F238E27FC236}">
-                <a16:creationId xmlns:a16="http://schemas.microsoft.com/office/drawing/2014/main" id="{7D410D9A-CF1F-40E3-A81A-89A0E6381003}"/>
-              </a:ext>
-            </a:extLst>
-          </p:cNvPr>
-          <p:cNvSpPr>
-            <a:spLocks noGrp="1"/>
-          </p:cNvSpPr>
-          <p:nvPr>
-            <p:ph idx="1"/>
-          </p:nvPr>
-        </p:nvSpPr>
-        <p:spPr>
-          <a:xfrm>
-            <a:off x="1141413" y="2097087"/>
-            <a:ext cx="4816936" cy="3797629"/>
-          </a:xfrm>
-        </p:spPr>
-        <p:txBody>
-          <a:bodyPr>
-            <a:normAutofit/>
-          </a:bodyPr>
-          <a:lstStyle/>
-          <a:p>
-            <a:r>
-              <a:rPr lang="en-US" dirty="0"/>
-              <a:t>The default keyword is similar to a final “else” in a chain of if statements</a:t>
-            </a:r>
-          </a:p>
-          <a:p>
-            <a:r>
-              <a:rPr lang="en-US" dirty="0"/>
-              <a:t>MAKE SURE YOU INCLUDE BREAKS!!! </a:t>
-            </a:r>
-          </a:p>
-          <a:p>
-            <a:pPr lvl="1"/>
-            <a:r>
-              <a:rPr lang="en-US" dirty="0"/>
-              <a:t>Without the break keyword, monthString keeps getting reassigned and will end up as “Invalid month” </a:t>
-            </a:r>
-          </a:p>
-        </p:txBody>
-      </p:sp>
-    </p:spTree>
-    <p:extLst>
-      <p:ext uri="{BB962C8B-B14F-4D97-AF65-F5344CB8AC3E}">
-        <p14:creationId xmlns:p14="http://schemas.microsoft.com/office/powerpoint/2010/main" val="2963430963"/>
-      </p:ext>
-    </p:extLst>
-  </p:cSld>
-  <p:clrMapOvr>
-    <a:masterClrMapping/>
-  </p:clrMapOvr>
-</p:sld>
-</file>
-
-<file path=ppt/slides/slide11.xml><?xml version="1.0" encoding="utf-8"?>
-<p:sld xmlns:a="http://schemas.openxmlformats.org/drawingml/2006/main" xmlns:r="http://schemas.openxmlformats.org/officeDocument/2006/relationships" xmlns:p="http://schemas.openxmlformats.org/presentationml/2006/main">
-  <p:cSld>
-    <p:spTree>
-      <p:nvGrpSpPr>
-        <p:cNvPr id="1" name=""/>
-        <p:cNvGrpSpPr/>
-        <p:nvPr/>
-      </p:nvGrpSpPr>
-      <p:grpSpPr>
-        <a:xfrm>
-          <a:off x="0" y="0"/>
-          <a:ext cx="0" cy="0"/>
-          <a:chOff x="0" y="0"/>
-          <a:chExt cx="0" cy="0"/>
-        </a:xfrm>
-      </p:grpSpPr>
-      <p:sp>
-        <p:nvSpPr>
-          <p:cNvPr id="2" name="Title 1">
-            <a:extLst>
-              <a:ext uri="{FF2B5EF4-FFF2-40B4-BE49-F238E27FC236}">
-                <a16:creationId xmlns:a16="http://schemas.microsoft.com/office/drawing/2014/main" id="{738FBAAC-BF6F-461A-8C00-3652F22F7069}"/>
-              </a:ext>
-            </a:extLst>
-          </p:cNvPr>
-          <p:cNvSpPr>
-            <a:spLocks noGrp="1"/>
-          </p:cNvSpPr>
-          <p:nvPr>
-            <p:ph type="title"/>
-          </p:nvPr>
-        </p:nvSpPr>
-        <p:spPr/>
-        <p:txBody>
-          <a:bodyPr/>
-          <a:lstStyle/>
-          <a:p>
-            <a:r>
-              <a:rPr lang="en-US" dirty="0"/>
-              <a:t>Printf/formatting</a:t>
-            </a:r>
-          </a:p>
-        </p:txBody>
-      </p:sp>
-      <p:sp>
-        <p:nvSpPr>
-          <p:cNvPr id="3" name="Content Placeholder 2">
-            <a:extLst>
-              <a:ext uri="{FF2B5EF4-FFF2-40B4-BE49-F238E27FC236}">
-                <a16:creationId xmlns:a16="http://schemas.microsoft.com/office/drawing/2014/main" id="{24D9169B-814F-459B-A064-DBD7F19752F0}"/>
-              </a:ext>
-            </a:extLst>
-          </p:cNvPr>
-          <p:cNvSpPr>
-            <a:spLocks noGrp="1"/>
-          </p:cNvSpPr>
-          <p:nvPr>
-            <p:ph idx="1"/>
-          </p:nvPr>
-        </p:nvSpPr>
-        <p:spPr>
-          <a:xfrm>
-            <a:off x="1486723" y="4998116"/>
-            <a:ext cx="9905999" cy="861804"/>
-          </a:xfrm>
-        </p:spPr>
-        <p:txBody>
-          <a:bodyPr>
-            <a:normAutofit/>
-          </a:bodyPr>
-          <a:lstStyle/>
-          <a:p>
-            <a:r>
-              <a:rPr lang="en-US" dirty="0"/>
-              <a:t>Lots of other easy examples here: </a:t>
-            </a:r>
-            <a:r>
-              <a:rPr lang="en-US" dirty="0">
-                <a:hlinkClick r:id="rId2"/>
-              </a:rPr>
-              <a:t>https://www.jquery-az.com/10-examples-learn-java-string-formatting-printf-method/</a:t>
-            </a:r>
-            <a:endParaRPr lang="en-US" dirty="0"/>
-          </a:p>
-          <a:p>
-            <a:endParaRPr lang="en-US" dirty="0"/>
-          </a:p>
-        </p:txBody>
-      </p:sp>
-      <p:pic>
-        <p:nvPicPr>
-          <p:cNvPr id="5" name="Picture 4">
-            <a:extLst>
-              <a:ext uri="{FF2B5EF4-FFF2-40B4-BE49-F238E27FC236}">
-                <a16:creationId xmlns:a16="http://schemas.microsoft.com/office/drawing/2014/main" id="{ADC62B5E-91BE-488D-ABE0-792298272B5D}"/>
-              </a:ext>
-            </a:extLst>
-          </p:cNvPr>
-          <p:cNvPicPr>
-            <a:picLocks noChangeAspect="1"/>
-          </p:cNvPicPr>
-          <p:nvPr/>
-        </p:nvPicPr>
-        <p:blipFill>
-          <a:blip r:embed="rId3"/>
-          <a:stretch>
-            <a:fillRect/>
-          </a:stretch>
-        </p:blipFill>
-        <p:spPr>
-          <a:xfrm>
-            <a:off x="636719" y="2292217"/>
-            <a:ext cx="5803004" cy="2273565"/>
-          </a:xfrm>
-          <a:prstGeom prst="rect">
-            <a:avLst/>
-          </a:prstGeom>
-        </p:spPr>
-      </p:pic>
-      <p:pic>
-        <p:nvPicPr>
-          <p:cNvPr id="7" name="Picture 6">
-            <a:extLst>
-              <a:ext uri="{FF2B5EF4-FFF2-40B4-BE49-F238E27FC236}">
-                <a16:creationId xmlns:a16="http://schemas.microsoft.com/office/drawing/2014/main" id="{5F44BA4D-2576-4A2D-9585-5D2FBF04A904}"/>
-              </a:ext>
-            </a:extLst>
-          </p:cNvPr>
-          <p:cNvPicPr>
-            <a:picLocks noChangeAspect="1"/>
-          </p:cNvPicPr>
-          <p:nvPr/>
-        </p:nvPicPr>
-        <p:blipFill>
-          <a:blip r:embed="rId4"/>
-          <a:stretch>
-            <a:fillRect/>
-          </a:stretch>
-        </p:blipFill>
-        <p:spPr>
-          <a:xfrm>
-            <a:off x="7469211" y="2656373"/>
-            <a:ext cx="3315163" cy="1533739"/>
-          </a:xfrm>
-          <a:prstGeom prst="rect">
-            <a:avLst/>
-          </a:prstGeom>
-        </p:spPr>
-      </p:pic>
-    </p:spTree>
-    <p:extLst>
-      <p:ext uri="{BB962C8B-B14F-4D97-AF65-F5344CB8AC3E}">
-        <p14:creationId xmlns:p14="http://schemas.microsoft.com/office/powerpoint/2010/main" val="4187495297"/>
-      </p:ext>
-    </p:extLst>
-  </p:cSld>
-  <p:clrMapOvr>
-    <a:masterClrMapping/>
-  </p:clrMapOvr>
-</p:sld>
-</file>
-
-<file path=ppt/slides/slide12.xml><?xml version="1.0" encoding="utf-8"?>
-<p:sld xmlns:a="http://schemas.openxmlformats.org/drawingml/2006/main" xmlns:r="http://schemas.openxmlformats.org/officeDocument/2006/relationships" xmlns:p="http://schemas.openxmlformats.org/presentationml/2006/main">
-  <p:cSld>
-    <p:spTree>
-      <p:nvGrpSpPr>
-        <p:cNvPr id="1" name=""/>
-        <p:cNvGrpSpPr/>
-        <p:nvPr/>
-      </p:nvGrpSpPr>
-      <p:grpSpPr>
-        <a:xfrm>
-          <a:off x="0" y="0"/>
-          <a:ext cx="0" cy="0"/>
-          <a:chOff x="0" y="0"/>
-          <a:chExt cx="0" cy="0"/>
-        </a:xfrm>
-      </p:grpSpPr>
-      <p:sp>
-        <p:nvSpPr>
-          <p:cNvPr id="2" name="Title 1">
-            <a:extLst>
-              <a:ext uri="{FF2B5EF4-FFF2-40B4-BE49-F238E27FC236}">
-                <a16:creationId xmlns:a16="http://schemas.microsoft.com/office/drawing/2014/main" id="{54FD5BA5-26DD-402D-82BE-5DCF18940097}"/>
-              </a:ext>
-            </a:extLst>
-          </p:cNvPr>
-          <p:cNvSpPr>
-            <a:spLocks noGrp="1"/>
-          </p:cNvSpPr>
-          <p:nvPr>
-            <p:ph type="title"/>
-          </p:nvPr>
-        </p:nvSpPr>
-        <p:spPr>
-          <a:xfrm>
-            <a:off x="3368540" y="2689715"/>
-            <a:ext cx="5454919" cy="1478570"/>
-          </a:xfrm>
-        </p:spPr>
-        <p:txBody>
-          <a:bodyPr>
-            <a:normAutofit fontScale="90000"/>
-          </a:bodyPr>
-          <a:lstStyle/>
-          <a:p>
-            <a:pPr algn="ctr"/>
-            <a:r>
-              <a:rPr lang="en-US" sz="6600" dirty="0"/>
-              <a:t>MIDTERM Q&amp;A</a:t>
-            </a:r>
-            <a:br>
-              <a:rPr lang="en-US" sz="6600" dirty="0"/>
-            </a:br>
-            <a:r>
-              <a:rPr lang="en-US" sz="1800" dirty="0">
-                <a:hlinkClick r:id="rId2"/>
-              </a:rPr>
-              <a:t>And then a Kahoot</a:t>
-            </a:r>
-            <a:endParaRPr lang="en-US" sz="1800" dirty="0"/>
-          </a:p>
-        </p:txBody>
-      </p:sp>
-    </p:spTree>
-    <p:extLst>
-      <p:ext uri="{BB962C8B-B14F-4D97-AF65-F5344CB8AC3E}">
-        <p14:creationId xmlns:p14="http://schemas.microsoft.com/office/powerpoint/2010/main" val="1715803406"/>
-      </p:ext>
-    </p:extLst>
-  </p:cSld>
-  <p:clrMapOvr>
-    <a:masterClrMapping/>
-  </p:clrMapOvr>
-</p:sld>
-</file>
-
-<file path=ppt/slides/slide13.xml><?xml version="1.0" encoding="utf-8"?>
-<p:sld xmlns:a="http://schemas.openxmlformats.org/drawingml/2006/main" xmlns:r="http://schemas.openxmlformats.org/officeDocument/2006/relationships" xmlns:p="http://schemas.openxmlformats.org/presentationml/2006/main">
-  <p:cSld>
-    <p:spTree>
-      <p:nvGrpSpPr>
-        <p:cNvPr id="1" name=""/>
-        <p:cNvGrpSpPr/>
-        <p:nvPr/>
-      </p:nvGrpSpPr>
-      <p:grpSpPr>
-        <a:xfrm>
-          <a:off x="0" y="0"/>
-          <a:ext cx="0" cy="0"/>
-          <a:chOff x="0" y="0"/>
-          <a:chExt cx="0" cy="0"/>
-        </a:xfrm>
-      </p:grpSpPr>
-      <p:sp>
-        <p:nvSpPr>
-          <p:cNvPr id="2" name="Title 1">
-            <a:extLst>
-              <a:ext uri="{FF2B5EF4-FFF2-40B4-BE49-F238E27FC236}">
-                <a16:creationId xmlns:a16="http://schemas.microsoft.com/office/drawing/2014/main" id="{C07BCA09-4AAA-4CF2-BB02-E701D5A2E51E}"/>
-              </a:ext>
-            </a:extLst>
-          </p:cNvPr>
-          <p:cNvSpPr>
-            <a:spLocks noGrp="1"/>
-          </p:cNvSpPr>
-          <p:nvPr>
-            <p:ph type="title"/>
-          </p:nvPr>
-        </p:nvSpPr>
-        <p:spPr/>
-        <p:txBody>
-          <a:bodyPr/>
-          <a:lstStyle/>
-          <a:p>
-            <a:r>
-              <a:rPr lang="en-US" dirty="0"/>
-              <a:t>For next week</a:t>
-            </a:r>
-          </a:p>
-        </p:txBody>
-      </p:sp>
-      <p:sp>
-        <p:nvSpPr>
-          <p:cNvPr id="3" name="Content Placeholder 2">
-            <a:extLst>
-              <a:ext uri="{FF2B5EF4-FFF2-40B4-BE49-F238E27FC236}">
-                <a16:creationId xmlns:a16="http://schemas.microsoft.com/office/drawing/2014/main" id="{AF03CE7B-894F-4C32-A38C-B0AC7AC85D8A}"/>
-              </a:ext>
-            </a:extLst>
-          </p:cNvPr>
-          <p:cNvSpPr>
-            <a:spLocks noGrp="1"/>
-          </p:cNvSpPr>
-          <p:nvPr>
-            <p:ph idx="1"/>
-          </p:nvPr>
-        </p:nvSpPr>
-        <p:spPr>
-          <a:xfrm>
-            <a:off x="1141412" y="2249487"/>
-            <a:ext cx="9905999" cy="3806256"/>
-          </a:xfrm>
-        </p:spPr>
-        <p:txBody>
-          <a:bodyPr>
-            <a:normAutofit/>
-          </a:bodyPr>
-          <a:lstStyle/>
-          <a:p>
-            <a:r>
-              <a:rPr lang="en-US" dirty="0"/>
-              <a:t>No lab this week – study!!</a:t>
-            </a:r>
-          </a:p>
-          <a:p>
-            <a:r>
-              <a:rPr lang="en-US" dirty="0"/>
-              <a:t>Come to office hours if you’re struggling!</a:t>
-            </a:r>
-          </a:p>
-          <a:p>
-            <a:r>
-              <a:rPr lang="en-US" dirty="0"/>
-              <a:t>We made a Discord server! </a:t>
-            </a:r>
-            <a:r>
-              <a:rPr lang="en-US" dirty="0">
-                <a:hlinkClick r:id="rId2"/>
-              </a:rPr>
-              <a:t>https://discord.gg/23weGMFk</a:t>
-            </a:r>
-            <a:endParaRPr lang="en-US" dirty="0"/>
-          </a:p>
-          <a:p>
-            <a:pPr lvl="1"/>
-            <a:r>
-              <a:rPr lang="en-US" dirty="0"/>
-              <a:t>Joining is optional, but it’ll be a good point of contact with us and your peers.</a:t>
-            </a:r>
-          </a:p>
-        </p:txBody>
-      </p:sp>
-    </p:spTree>
-    <p:extLst>
-      <p:ext uri="{BB962C8B-B14F-4D97-AF65-F5344CB8AC3E}">
-        <p14:creationId xmlns:p14="http://schemas.microsoft.com/office/powerpoint/2010/main" val="4255036070"/>
-      </p:ext>
-    </p:extLst>
-  </p:cSld>
-  <p:clrMapOvr>
-    <a:masterClrMapping/>
-  </p:clrMapOvr>
-</p:sld>
-</file>
-
-<file path=ppt/slides/slide2.xml><?xml version="1.0" encoding="utf-8"?>
-<p:sld xmlns:a="http://schemas.openxmlformats.org/drawingml/2006/main" xmlns:r="http://schemas.openxmlformats.org/officeDocument/2006/relationships" xmlns:p="http://schemas.openxmlformats.org/presentationml/2006/main">
-  <p:cSld>
-    <p:spTree>
-      <p:nvGrpSpPr>
-        <p:cNvPr id="1" name=""/>
-        <p:cNvGrpSpPr/>
-        <p:nvPr/>
-      </p:nvGrpSpPr>
-      <p:grpSpPr>
-        <a:xfrm>
-          <a:off x="0" y="0"/>
-          <a:ext cx="0" cy="0"/>
-          <a:chOff x="0" y="0"/>
-          <a:chExt cx="0" cy="0"/>
-        </a:xfrm>
-      </p:grpSpPr>
-      <p:sp>
-        <p:nvSpPr>
-          <p:cNvPr id="2" name="Title 1">
-            <a:extLst>
-              <a:ext uri="{FF2B5EF4-FFF2-40B4-BE49-F238E27FC236}">
-                <a16:creationId xmlns:a16="http://schemas.microsoft.com/office/drawing/2014/main" id="{D9B328A2-37B6-4977-ACB8-BA8780C09E81}"/>
-              </a:ext>
-            </a:extLst>
-          </p:cNvPr>
-          <p:cNvSpPr>
-            <a:spLocks noGrp="1"/>
-          </p:cNvSpPr>
-          <p:nvPr>
-            <p:ph type="title"/>
-          </p:nvPr>
-        </p:nvSpPr>
-        <p:spPr/>
-        <p:txBody>
-          <a:bodyPr/>
-          <a:lstStyle/>
-          <a:p>
-            <a:r>
-              <a:rPr lang="en-US" dirty="0"/>
-              <a:t>overview</a:t>
-            </a:r>
-          </a:p>
-        </p:txBody>
-      </p:sp>
-      <p:sp>
-        <p:nvSpPr>
-          <p:cNvPr id="3" name="Content Placeholder 2">
-            <a:extLst>
-              <a:ext uri="{FF2B5EF4-FFF2-40B4-BE49-F238E27FC236}">
-                <a16:creationId xmlns:a16="http://schemas.microsoft.com/office/drawing/2014/main" id="{6AB37740-ED68-4E77-BF99-3C1026335005}"/>
-              </a:ext>
-            </a:extLst>
-          </p:cNvPr>
-          <p:cNvSpPr>
-            <a:spLocks noGrp="1"/>
-          </p:cNvSpPr>
-          <p:nvPr>
-            <p:ph idx="1"/>
-          </p:nvPr>
-        </p:nvSpPr>
-        <p:spPr/>
-        <p:txBody>
-          <a:bodyPr>
-            <a:normAutofit/>
-          </a:bodyPr>
-          <a:lstStyle/>
-          <a:p>
-            <a:r>
-              <a:rPr lang="en-US" dirty="0"/>
-              <a:t>OneDrive Review</a:t>
-            </a:r>
-          </a:p>
-          <a:p>
-            <a:r>
-              <a:rPr lang="en-US" dirty="0"/>
-              <a:t>A Note on Primitives</a:t>
-            </a:r>
-          </a:p>
-          <a:p>
-            <a:r>
-              <a:rPr lang="en-US" dirty="0"/>
-              <a:t>If structures</a:t>
-            </a:r>
-          </a:p>
-          <a:p>
-            <a:r>
-              <a:rPr lang="en-US" dirty="0"/>
-              <a:t>Boolean operations</a:t>
-            </a:r>
-          </a:p>
-          <a:p>
-            <a:r>
-              <a:rPr lang="en-US" dirty="0"/>
-              <a:t>Switch case</a:t>
-            </a:r>
-          </a:p>
-          <a:p>
-            <a:r>
-              <a:rPr lang="en-US" dirty="0"/>
-              <a:t>Printf</a:t>
-            </a:r>
-          </a:p>
-          <a:p>
-            <a:r>
-              <a:rPr lang="en-US" dirty="0"/>
-              <a:t>Midterm Q&amp;A</a:t>
-            </a:r>
-          </a:p>
-        </p:txBody>
-      </p:sp>
-    </p:spTree>
-    <p:extLst>
-      <p:ext uri="{BB962C8B-B14F-4D97-AF65-F5344CB8AC3E}">
-        <p14:creationId xmlns:p14="http://schemas.microsoft.com/office/powerpoint/2010/main" val="2467430042"/>
-      </p:ext>
-    </p:extLst>
-  </p:cSld>
-  <p:clrMapOvr>
-    <a:masterClrMapping/>
-  </p:clrMapOvr>
-</p:sld>
-</file>
-
-<file path=ppt/slides/slide3.xml><?xml version="1.0" encoding="utf-8"?>
-<p:sld xmlns:a="http://schemas.openxmlformats.org/drawingml/2006/main" xmlns:r="http://schemas.openxmlformats.org/officeDocument/2006/relationships" xmlns:p="http://schemas.openxmlformats.org/presentationml/2006/main">
-  <p:cSld>
-    <p:spTree>
-      <p:nvGrpSpPr>
-        <p:cNvPr id="1" name=""/>
-        <p:cNvGrpSpPr/>
-        <p:nvPr/>
-      </p:nvGrpSpPr>
-      <p:grpSpPr>
-        <a:xfrm>
-          <a:off x="0" y="0"/>
-          <a:ext cx="0" cy="0"/>
-          <a:chOff x="0" y="0"/>
-          <a:chExt cx="0" cy="0"/>
-        </a:xfrm>
-      </p:grpSpPr>
-      <p:sp>
-        <p:nvSpPr>
-          <p:cNvPr id="2" name="Title 1">
-            <a:extLst>
-              <a:ext uri="{FF2B5EF4-FFF2-40B4-BE49-F238E27FC236}">
-                <a16:creationId xmlns:a16="http://schemas.microsoft.com/office/drawing/2014/main" id="{B65F0A85-BE32-42FB-B86D-68CB71DB7EE5}"/>
-              </a:ext>
-            </a:extLst>
-          </p:cNvPr>
-          <p:cNvSpPr>
-            <a:spLocks noGrp="1"/>
-          </p:cNvSpPr>
-          <p:nvPr>
-            <p:ph type="title"/>
-          </p:nvPr>
-        </p:nvSpPr>
-        <p:spPr/>
-        <p:txBody>
-          <a:bodyPr/>
-          <a:lstStyle/>
-          <a:p>
-            <a:r>
-              <a:rPr lang="en-US" dirty="0" err="1"/>
-              <a:t>Onedrive</a:t>
-            </a:r>
-            <a:r>
-              <a:rPr lang="en-US" dirty="0"/>
-              <a:t>… thoughts?</a:t>
-            </a:r>
-          </a:p>
-        </p:txBody>
-      </p:sp>
-      <p:sp>
-        <p:nvSpPr>
-          <p:cNvPr id="3" name="Content Placeholder 2">
-            <a:extLst>
-              <a:ext uri="{FF2B5EF4-FFF2-40B4-BE49-F238E27FC236}">
-                <a16:creationId xmlns:a16="http://schemas.microsoft.com/office/drawing/2014/main" id="{8E44B9E7-254D-46AE-95CF-785086E15A3D}"/>
-              </a:ext>
-            </a:extLst>
-          </p:cNvPr>
-          <p:cNvSpPr>
-            <a:spLocks noGrp="1"/>
-          </p:cNvSpPr>
-          <p:nvPr>
-            <p:ph idx="1"/>
-          </p:nvPr>
-        </p:nvSpPr>
-        <p:spPr/>
-        <p:txBody>
-          <a:bodyPr/>
-          <a:lstStyle/>
-          <a:p>
-            <a:r>
-              <a:rPr lang="en-US" dirty="0"/>
-              <a:t>Submitting things for us UTAs to grade is hard </a:t>
-            </a:r>
-            <a:r>
-              <a:rPr lang="en-US" dirty="0">
-                <a:sym typeface="Wingdings" panose="05000000000000000000" pitchFamily="2" charset="2"/>
-              </a:rPr>
-              <a:t></a:t>
-            </a:r>
-          </a:p>
-          <a:p>
-            <a:r>
-              <a:rPr lang="en-US" dirty="0">
-                <a:sym typeface="Wingdings" panose="05000000000000000000" pitchFamily="2" charset="2"/>
-              </a:rPr>
-              <a:t>This was our solution</a:t>
-            </a:r>
-          </a:p>
-          <a:p>
-            <a:pPr lvl="1"/>
-            <a:r>
-              <a:rPr lang="en-US" dirty="0">
-                <a:sym typeface="Wingdings" panose="05000000000000000000" pitchFamily="2" charset="2"/>
-              </a:rPr>
-              <a:t>You should have received an email from OneDrive… let me know if you didn’t!</a:t>
-            </a:r>
-          </a:p>
-          <a:p>
-            <a:pPr lvl="1"/>
-            <a:r>
-              <a:rPr lang="en-US" dirty="0">
-                <a:sym typeface="Wingdings" panose="05000000000000000000" pitchFamily="2" charset="2"/>
-              </a:rPr>
-              <a:t>Save that link so you can submit things later (or just go to the Shared tab in your own OneDrive)</a:t>
-            </a:r>
-          </a:p>
-          <a:p>
-            <a:pPr lvl="1"/>
-            <a:r>
-              <a:rPr lang="en-US" dirty="0">
-                <a:sym typeface="Wingdings" panose="05000000000000000000" pitchFamily="2" charset="2"/>
-              </a:rPr>
-              <a:t>If you had any specific troubles with it, I’m gonna be lenient about lab submissions. Technically the lab was due last night, but I won’t start </a:t>
-            </a:r>
-            <a:r>
-              <a:rPr lang="en-US" i="1" dirty="0">
-                <a:sym typeface="Wingdings" panose="05000000000000000000" pitchFamily="2" charset="2"/>
-              </a:rPr>
-              <a:t>actually</a:t>
-            </a:r>
-            <a:r>
-              <a:rPr lang="en-US" dirty="0">
-                <a:sym typeface="Wingdings" panose="05000000000000000000" pitchFamily="2" charset="2"/>
-              </a:rPr>
-              <a:t> grading until sometime Friday afternoon… </a:t>
-            </a:r>
-            <a:endParaRPr lang="en-US" dirty="0"/>
-          </a:p>
-        </p:txBody>
-      </p:sp>
-    </p:spTree>
-    <p:extLst>
-      <p:ext uri="{BB962C8B-B14F-4D97-AF65-F5344CB8AC3E}">
-        <p14:creationId xmlns:p14="http://schemas.microsoft.com/office/powerpoint/2010/main" val="2023074644"/>
-      </p:ext>
-    </p:extLst>
-  </p:cSld>
-  <p:clrMapOvr>
-    <a:masterClrMapping/>
-  </p:clrMapOvr>
-</p:sld>
-</file>
-
-<file path=ppt/slides/slide4.xml><?xml version="1.0" encoding="utf-8"?>
-<p:sld xmlns:a="http://schemas.openxmlformats.org/drawingml/2006/main" xmlns:r="http://schemas.openxmlformats.org/officeDocument/2006/relationships" xmlns:p="http://schemas.openxmlformats.org/presentationml/2006/main">
-  <p:cSld>
-    <p:spTree>
-      <p:nvGrpSpPr>
-        <p:cNvPr id="1" name=""/>
-        <p:cNvGrpSpPr/>
-        <p:nvPr/>
-      </p:nvGrpSpPr>
-      <p:grpSpPr>
-        <a:xfrm>
-          <a:off x="0" y="0"/>
-          <a:ext cx="0" cy="0"/>
-          <a:chOff x="0" y="0"/>
-          <a:chExt cx="0" cy="0"/>
-        </a:xfrm>
-      </p:grpSpPr>
-      <p:sp>
-        <p:nvSpPr>
-          <p:cNvPr id="2" name="Title 1">
-            <a:extLst>
-              <a:ext uri="{FF2B5EF4-FFF2-40B4-BE49-F238E27FC236}">
-                <a16:creationId xmlns:a16="http://schemas.microsoft.com/office/drawing/2014/main" id="{67161102-A929-4D50-81D4-1D3265D04D73}"/>
-              </a:ext>
-            </a:extLst>
-          </p:cNvPr>
-          <p:cNvSpPr>
-            <a:spLocks noGrp="1"/>
-          </p:cNvSpPr>
-          <p:nvPr>
-            <p:ph type="title"/>
-          </p:nvPr>
-        </p:nvSpPr>
-        <p:spPr/>
-        <p:txBody>
-          <a:bodyPr/>
-          <a:lstStyle/>
-          <a:p>
-            <a:r>
-              <a:rPr lang="en-US" dirty="0"/>
-              <a:t>A Note on primitives</a:t>
-            </a:r>
-          </a:p>
-        </p:txBody>
-      </p:sp>
-      <p:sp>
-        <p:nvSpPr>
-          <p:cNvPr id="3" name="Content Placeholder 2">
-            <a:extLst>
-              <a:ext uri="{FF2B5EF4-FFF2-40B4-BE49-F238E27FC236}">
-                <a16:creationId xmlns:a16="http://schemas.microsoft.com/office/drawing/2014/main" id="{49F9D175-300A-4266-A746-521ED08B0B8B}"/>
-              </a:ext>
-            </a:extLst>
-          </p:cNvPr>
-          <p:cNvSpPr>
-            <a:spLocks noGrp="1"/>
-          </p:cNvSpPr>
-          <p:nvPr>
-            <p:ph idx="1"/>
-          </p:nvPr>
-        </p:nvSpPr>
-        <p:spPr>
-          <a:xfrm>
-            <a:off x="1141411" y="1795163"/>
-            <a:ext cx="9905999" cy="3541714"/>
-          </a:xfrm>
-        </p:spPr>
-        <p:txBody>
-          <a:bodyPr/>
-          <a:lstStyle/>
-          <a:p>
-            <a:r>
-              <a:rPr lang="en-US" dirty="0"/>
-              <a:t>Sometimes in the lab it can be difficult to decide which variable to use for what… here’s some notes</a:t>
-            </a:r>
-          </a:p>
-        </p:txBody>
-      </p:sp>
-      <p:graphicFrame>
-        <p:nvGraphicFramePr>
-          <p:cNvPr id="4" name="Table 4">
-            <a:extLst>
-              <a:ext uri="{FF2B5EF4-FFF2-40B4-BE49-F238E27FC236}">
-                <a16:creationId xmlns:a16="http://schemas.microsoft.com/office/drawing/2014/main" id="{607BA652-028A-4200-9CA0-A6EF9F81777E}"/>
-              </a:ext>
-            </a:extLst>
-          </p:cNvPr>
-          <p:cNvGraphicFramePr>
-            <a:graphicFrameLocks noGrp="1"/>
-          </p:cNvGraphicFramePr>
-          <p:nvPr>
-            <p:extLst>
-              <p:ext uri="{D42A27DB-BD31-4B8C-83A1-F6EECF244321}">
-                <p14:modId xmlns:p14="http://schemas.microsoft.com/office/powerpoint/2010/main" val="4143371986"/>
-              </p:ext>
-            </p:extLst>
-          </p:nvPr>
-        </p:nvGraphicFramePr>
-        <p:xfrm>
-          <a:off x="1370968" y="2540000"/>
-          <a:ext cx="9446884" cy="4318000"/>
-        </p:xfrm>
-        <a:graphic>
-          <a:graphicData uri="http://schemas.openxmlformats.org/drawingml/2006/table">
-            <a:tbl>
-              <a:tblPr firstRow="1" bandRow="1">
-                <a:tableStyleId>{7DF18680-E054-41AD-8BC1-D1AEF772440D}</a:tableStyleId>
-              </a:tblPr>
-              <a:tblGrid>
-                <a:gridCol w="4723442">
-                  <a:extLst>
-                    <a:ext uri="{9D8B030D-6E8A-4147-A177-3AD203B41FA5}">
-                      <a16:colId xmlns:a16="http://schemas.microsoft.com/office/drawing/2014/main" val="1758047102"/>
-                    </a:ext>
-                  </a:extLst>
-                </a:gridCol>
-                <a:gridCol w="4723442">
-                  <a:extLst>
-                    <a:ext uri="{9D8B030D-6E8A-4147-A177-3AD203B41FA5}">
-                      <a16:colId xmlns:a16="http://schemas.microsoft.com/office/drawing/2014/main" val="186496507"/>
-                    </a:ext>
-                  </a:extLst>
-                </a:gridCol>
-              </a:tblGrid>
-              <a:tr h="370840">
-                <a:tc>
-                  <a:txBody>
-                    <a:bodyPr/>
-                    <a:lstStyle/>
-                    <a:p>
-                      <a:r>
-                        <a:rPr lang="en-US" dirty="0"/>
-                        <a:t>Primitive Type</a:t>
-                      </a:r>
-                    </a:p>
-                  </a:txBody>
-                  <a:tcPr/>
-                </a:tc>
-                <a:tc>
-                  <a:txBody>
-                    <a:bodyPr/>
-                    <a:lstStyle/>
-                    <a:p>
-                      <a:r>
-                        <a:rPr lang="en-US" dirty="0"/>
-                        <a:t>Notes</a:t>
-                      </a:r>
-                    </a:p>
-                  </a:txBody>
-                  <a:tcPr/>
-                </a:tc>
-                <a:extLst>
-                  <a:ext uri="{0D108BD9-81ED-4DB2-BD59-A6C34878D82A}">
-                    <a16:rowId xmlns:a16="http://schemas.microsoft.com/office/drawing/2014/main" val="2199394420"/>
-                  </a:ext>
-                </a:extLst>
-              </a:tr>
-              <a:tr h="370840">
-                <a:tc>
-                  <a:txBody>
-                    <a:bodyPr/>
-                    <a:lstStyle/>
-                    <a:p>
-                      <a:r>
-                        <a:rPr lang="en-US" dirty="0"/>
-                        <a:t>byte </a:t>
-                      </a:r>
-                    </a:p>
-                  </a:txBody>
-                  <a:tcPr/>
-                </a:tc>
-                <a:tc>
-                  <a:txBody>
-                    <a:bodyPr/>
-                    <a:lstStyle/>
-                    <a:p>
-                      <a:r>
-                        <a:rPr lang="en-US" dirty="0"/>
-                        <a:t>Possible values: [-128 thru 127]</a:t>
-                      </a:r>
-                    </a:p>
-                  </a:txBody>
-                  <a:tcPr/>
-                </a:tc>
-                <a:extLst>
-                  <a:ext uri="{0D108BD9-81ED-4DB2-BD59-A6C34878D82A}">
-                    <a16:rowId xmlns:a16="http://schemas.microsoft.com/office/drawing/2014/main" val="4263612828"/>
-                  </a:ext>
-                </a:extLst>
-              </a:tr>
-              <a:tr h="370840">
-                <a:tc>
-                  <a:txBody>
-                    <a:bodyPr/>
-                    <a:lstStyle/>
-                    <a:p>
-                      <a:r>
-                        <a:rPr lang="en-US" dirty="0"/>
-                        <a:t>short</a:t>
-                      </a:r>
-                    </a:p>
-                  </a:txBody>
-                  <a:tcPr/>
-                </a:tc>
-                <a:tc>
-                  <a:txBody>
-                    <a:bodyPr/>
-                    <a:lstStyle/>
-                    <a:p>
-                      <a:r>
-                        <a:rPr lang="en-US" dirty="0"/>
-                        <a:t>Possible values: [-32,768 thru 32,767]</a:t>
-                      </a:r>
-                    </a:p>
-                  </a:txBody>
-                  <a:tcPr/>
-                </a:tc>
-                <a:extLst>
-                  <a:ext uri="{0D108BD9-81ED-4DB2-BD59-A6C34878D82A}">
-                    <a16:rowId xmlns:a16="http://schemas.microsoft.com/office/drawing/2014/main" val="1322342539"/>
-                  </a:ext>
-                </a:extLst>
-              </a:tr>
-              <a:tr h="370840">
-                <a:tc>
-                  <a:txBody>
-                    <a:bodyPr/>
-                    <a:lstStyle/>
-                    <a:p>
-                      <a:r>
-                        <a:rPr lang="en-US" dirty="0"/>
-                        <a:t>char</a:t>
-                      </a:r>
-                    </a:p>
-                  </a:txBody>
-                  <a:tcPr/>
-                </a:tc>
-                <a:tc>
-                  <a:txBody>
-                    <a:bodyPr/>
-                    <a:lstStyle/>
-                    <a:p>
-                      <a:r>
-                        <a:rPr lang="en-US" dirty="0"/>
-                        <a:t>Make sure you use single quotes! </a:t>
-                      </a:r>
-                    </a:p>
-                    <a:p>
-                      <a:r>
-                        <a:rPr lang="en-US" dirty="0"/>
-                        <a:t>(char letter = ‘A’;)</a:t>
-                      </a:r>
-                    </a:p>
-                  </a:txBody>
-                  <a:tcPr/>
-                </a:tc>
-                <a:extLst>
-                  <a:ext uri="{0D108BD9-81ED-4DB2-BD59-A6C34878D82A}">
-                    <a16:rowId xmlns:a16="http://schemas.microsoft.com/office/drawing/2014/main" val="3603178950"/>
-                  </a:ext>
-                </a:extLst>
-              </a:tr>
-              <a:tr h="370840">
-                <a:tc>
-                  <a:txBody>
-                    <a:bodyPr/>
-                    <a:lstStyle/>
-                    <a:p>
-                      <a:r>
-                        <a:rPr lang="en-US" dirty="0"/>
-                        <a:t>int</a:t>
-                      </a:r>
-                    </a:p>
-                  </a:txBody>
-                  <a:tcPr/>
-                </a:tc>
-                <a:tc>
-                  <a:txBody>
-                    <a:bodyPr/>
-                    <a:lstStyle/>
-                    <a:p>
-                      <a:r>
-                        <a:rPr lang="en-US" dirty="0"/>
-                        <a:t>Possible values: -2,147,483,648 thru 2,147,483,647</a:t>
-                      </a:r>
-                    </a:p>
-                  </a:txBody>
-                  <a:tcPr/>
-                </a:tc>
-                <a:extLst>
-                  <a:ext uri="{0D108BD9-81ED-4DB2-BD59-A6C34878D82A}">
-                    <a16:rowId xmlns:a16="http://schemas.microsoft.com/office/drawing/2014/main" val="4220516525"/>
-                  </a:ext>
-                </a:extLst>
-              </a:tr>
-              <a:tr h="370840">
-                <a:tc>
-                  <a:txBody>
-                    <a:bodyPr/>
-                    <a:lstStyle/>
-                    <a:p>
-                      <a:r>
-                        <a:rPr lang="en-US" dirty="0"/>
-                        <a:t>long</a:t>
-                      </a:r>
-                    </a:p>
-                  </a:txBody>
-                  <a:tcPr/>
-                </a:tc>
-                <a:tc>
-                  <a:txBody>
-                    <a:bodyPr/>
-                    <a:lstStyle/>
-                    <a:p>
-                      <a:r>
-                        <a:rPr lang="en-US" dirty="0"/>
-                        <a:t>Possible values: [(-2^63) thru (2^63)-1]</a:t>
-                      </a:r>
-                    </a:p>
-                    <a:p>
-                      <a:r>
-                        <a:rPr lang="en-US" dirty="0"/>
-                        <a:t>Add an l when defining! (long num = 3000000l;)</a:t>
-                      </a:r>
-                    </a:p>
-                  </a:txBody>
-                  <a:tcPr/>
-                </a:tc>
-                <a:extLst>
-                  <a:ext uri="{0D108BD9-81ED-4DB2-BD59-A6C34878D82A}">
-                    <a16:rowId xmlns:a16="http://schemas.microsoft.com/office/drawing/2014/main" val="3537022861"/>
-                  </a:ext>
-                </a:extLst>
-              </a:tr>
-              <a:tr h="370840">
-                <a:tc>
-                  <a:txBody>
-                    <a:bodyPr/>
-                    <a:lstStyle/>
-                    <a:p>
-                      <a:r>
-                        <a:rPr lang="en-US" dirty="0"/>
-                        <a:t>float</a:t>
-                      </a:r>
-                    </a:p>
-                  </a:txBody>
-                  <a:tcPr/>
-                </a:tc>
-                <a:tc>
-                  <a:txBody>
-                    <a:bodyPr/>
-                    <a:lstStyle/>
-                    <a:p>
-                      <a:r>
-                        <a:rPr lang="en-US" dirty="0"/>
-                        <a:t>Add an f when defining! (float num = 2.50f;)</a:t>
-                      </a:r>
-                    </a:p>
-                  </a:txBody>
-                  <a:tcPr/>
-                </a:tc>
-                <a:extLst>
-                  <a:ext uri="{0D108BD9-81ED-4DB2-BD59-A6C34878D82A}">
-                    <a16:rowId xmlns:a16="http://schemas.microsoft.com/office/drawing/2014/main" val="1679241697"/>
-                  </a:ext>
-                </a:extLst>
-              </a:tr>
-              <a:tr h="370840">
-                <a:tc>
-                  <a:txBody>
-                    <a:bodyPr/>
-                    <a:lstStyle/>
-                    <a:p>
-                      <a:r>
-                        <a:rPr lang="en-US" dirty="0"/>
-                        <a:t>double</a:t>
-                      </a:r>
-                    </a:p>
-                  </a:txBody>
-                  <a:tcPr/>
-                </a:tc>
-                <a:tc>
-                  <a:txBody>
-                    <a:bodyPr/>
-                    <a:lstStyle/>
-                    <a:p>
-                      <a:r>
-                        <a:rPr lang="en-US" dirty="0"/>
-                        <a:t>Ultra precise decimals!</a:t>
-                      </a:r>
-                    </a:p>
-                  </a:txBody>
-                  <a:tcPr/>
-                </a:tc>
-                <a:extLst>
-                  <a:ext uri="{0D108BD9-81ED-4DB2-BD59-A6C34878D82A}">
-                    <a16:rowId xmlns:a16="http://schemas.microsoft.com/office/drawing/2014/main" val="3199215143"/>
-                  </a:ext>
-                </a:extLst>
-              </a:tr>
-            </a:tbl>
-          </a:graphicData>
-        </a:graphic>
-      </p:graphicFrame>
-    </p:spTree>
-    <p:extLst>
-      <p:ext uri="{BB962C8B-B14F-4D97-AF65-F5344CB8AC3E}">
-        <p14:creationId xmlns:p14="http://schemas.microsoft.com/office/powerpoint/2010/main" val="2855878816"/>
-      </p:ext>
-    </p:extLst>
-  </p:cSld>
-  <p:clrMapOvr>
-    <a:masterClrMapping/>
-  </p:clrMapOvr>
-</p:sld>
-</file>
-
-<file path=ppt/slides/slide5.xml><?xml version="1.0" encoding="utf-8"?>
-<p:sld xmlns:a="http://schemas.openxmlformats.org/drawingml/2006/main" xmlns:r="http://schemas.openxmlformats.org/officeDocument/2006/relationships" xmlns:p="http://schemas.openxmlformats.org/presentationml/2006/main">
-  <p:cSld>
-    <p:spTree>
-      <p:nvGrpSpPr>
-        <p:cNvPr id="1" name=""/>
-        <p:cNvGrpSpPr/>
-        <p:nvPr/>
-      </p:nvGrpSpPr>
-      <p:grpSpPr>
-        <a:xfrm>
-          <a:off x="0" y="0"/>
-          <a:ext cx="0" cy="0"/>
-          <a:chOff x="0" y="0"/>
-          <a:chExt cx="0" cy="0"/>
-        </a:xfrm>
-      </p:grpSpPr>
-      <p:sp>
-        <p:nvSpPr>
-          <p:cNvPr id="2" name="Title 1">
-            <a:extLst>
-              <a:ext uri="{FF2B5EF4-FFF2-40B4-BE49-F238E27FC236}">
-                <a16:creationId xmlns:a16="http://schemas.microsoft.com/office/drawing/2014/main" id="{413CDFB1-9334-4675-8ACE-8512A5022CC8}"/>
-              </a:ext>
-            </a:extLst>
-          </p:cNvPr>
-          <p:cNvSpPr>
-            <a:spLocks noGrp="1"/>
-          </p:cNvSpPr>
-          <p:nvPr>
-            <p:ph type="title"/>
-          </p:nvPr>
-        </p:nvSpPr>
-        <p:spPr/>
-        <p:txBody>
-          <a:bodyPr/>
-          <a:lstStyle/>
-          <a:p>
-            <a:r>
-              <a:rPr lang="en-US" dirty="0"/>
-              <a:t>If structures</a:t>
-            </a:r>
-          </a:p>
-        </p:txBody>
-      </p:sp>
-      <p:sp>
-        <p:nvSpPr>
-          <p:cNvPr id="3" name="Content Placeholder 2">
-            <a:extLst>
-              <a:ext uri="{FF2B5EF4-FFF2-40B4-BE49-F238E27FC236}">
-                <a16:creationId xmlns:a16="http://schemas.microsoft.com/office/drawing/2014/main" id="{CC05C9FA-E597-4369-9DC4-B6FE71DB027C}"/>
-              </a:ext>
-            </a:extLst>
-          </p:cNvPr>
-          <p:cNvSpPr>
-            <a:spLocks noGrp="1"/>
-          </p:cNvSpPr>
-          <p:nvPr>
-            <p:ph idx="1"/>
-          </p:nvPr>
-        </p:nvSpPr>
-        <p:spPr>
-          <a:xfrm>
-            <a:off x="1141413" y="1939771"/>
-            <a:ext cx="9905999" cy="1236139"/>
-          </a:xfrm>
-        </p:spPr>
-        <p:txBody>
-          <a:bodyPr/>
-          <a:lstStyle/>
-          <a:p>
-            <a:r>
-              <a:rPr lang="en-US" dirty="0"/>
-              <a:t>Simpler than you might think…</a:t>
-            </a:r>
-          </a:p>
-          <a:p>
-            <a:r>
-              <a:rPr lang="en-US" dirty="0"/>
-              <a:t>If this is true, do this. Otherwise, do that. </a:t>
-            </a:r>
-          </a:p>
-          <a:p>
-            <a:endParaRPr lang="en-US" dirty="0"/>
-          </a:p>
-        </p:txBody>
-      </p:sp>
-      <p:pic>
-        <p:nvPicPr>
-          <p:cNvPr id="5" name="Picture 4">
-            <a:extLst>
-              <a:ext uri="{FF2B5EF4-FFF2-40B4-BE49-F238E27FC236}">
-                <a16:creationId xmlns:a16="http://schemas.microsoft.com/office/drawing/2014/main" id="{FAAA40DC-B4D6-4CAD-A76E-5870BEB21389}"/>
-              </a:ext>
-            </a:extLst>
-          </p:cNvPr>
-          <p:cNvPicPr>
-            <a:picLocks noChangeAspect="1"/>
-          </p:cNvPicPr>
-          <p:nvPr/>
-        </p:nvPicPr>
-        <p:blipFill>
-          <a:blip r:embed="rId2"/>
-          <a:stretch>
-            <a:fillRect/>
-          </a:stretch>
-        </p:blipFill>
-        <p:spPr>
-          <a:xfrm>
-            <a:off x="3301828" y="3175910"/>
-            <a:ext cx="5585167" cy="2812849"/>
-          </a:xfrm>
-          <a:prstGeom prst="rect">
-            <a:avLst/>
-          </a:prstGeom>
-        </p:spPr>
-      </p:pic>
-    </p:spTree>
-    <p:extLst>
-      <p:ext uri="{BB962C8B-B14F-4D97-AF65-F5344CB8AC3E}">
-        <p14:creationId xmlns:p14="http://schemas.microsoft.com/office/powerpoint/2010/main" val="1927231411"/>
-      </p:ext>
-    </p:extLst>
-  </p:cSld>
-  <p:clrMapOvr>
-    <a:masterClrMapping/>
-  </p:clrMapOvr>
-</p:sld>
-</file>
-
-<file path=ppt/slides/slide6.xml><?xml version="1.0" encoding="utf-8"?>
-<p:sld xmlns:a="http://schemas.openxmlformats.org/drawingml/2006/main" xmlns:r="http://schemas.openxmlformats.org/officeDocument/2006/relationships" xmlns:p="http://schemas.openxmlformats.org/presentationml/2006/main">
-  <p:cSld>
-    <p:spTree>
-      <p:nvGrpSpPr>
-        <p:cNvPr id="1" name=""/>
-        <p:cNvGrpSpPr/>
-        <p:nvPr/>
-      </p:nvGrpSpPr>
-      <p:grpSpPr>
-        <a:xfrm>
-          <a:off x="0" y="0"/>
-          <a:ext cx="0" cy="0"/>
-          <a:chOff x="0" y="0"/>
-          <a:chExt cx="0" cy="0"/>
-        </a:xfrm>
-      </p:grpSpPr>
-      <p:sp>
-        <p:nvSpPr>
-          <p:cNvPr id="2" name="Title 1">
-            <a:extLst>
-              <a:ext uri="{FF2B5EF4-FFF2-40B4-BE49-F238E27FC236}">
-                <a16:creationId xmlns:a16="http://schemas.microsoft.com/office/drawing/2014/main" id="{7182A1E2-A793-4F8D-B1FA-6B858FE1A4B4}"/>
-              </a:ext>
-            </a:extLst>
-          </p:cNvPr>
-          <p:cNvSpPr>
-            <a:spLocks noGrp="1"/>
-          </p:cNvSpPr>
-          <p:nvPr>
-            <p:ph type="title"/>
-          </p:nvPr>
-        </p:nvSpPr>
-        <p:spPr/>
-        <p:txBody>
-          <a:bodyPr/>
-          <a:lstStyle/>
-          <a:p>
-            <a:r>
-              <a:rPr lang="en-US" dirty="0"/>
-              <a:t>Extended if statements</a:t>
-            </a:r>
-          </a:p>
-        </p:txBody>
-      </p:sp>
-      <p:pic>
-        <p:nvPicPr>
-          <p:cNvPr id="5" name="Content Placeholder 4">
-            <a:extLst>
-              <a:ext uri="{FF2B5EF4-FFF2-40B4-BE49-F238E27FC236}">
-                <a16:creationId xmlns:a16="http://schemas.microsoft.com/office/drawing/2014/main" id="{7C055E26-84EC-4F83-B935-35F6B55A7BB3}"/>
-              </a:ext>
-            </a:extLst>
-          </p:cNvPr>
-          <p:cNvPicPr>
-            <a:picLocks noGrp="1" noChangeAspect="1"/>
-          </p:cNvPicPr>
-          <p:nvPr>
-            <p:ph idx="1"/>
-          </p:nvPr>
-        </p:nvPicPr>
-        <p:blipFill>
-          <a:blip r:embed="rId2"/>
-          <a:stretch>
-            <a:fillRect/>
-          </a:stretch>
-        </p:blipFill>
-        <p:spPr>
-          <a:xfrm>
-            <a:off x="4111413" y="1721721"/>
-            <a:ext cx="3965998" cy="4827855"/>
-          </a:xfrm>
-        </p:spPr>
-      </p:pic>
-    </p:spTree>
-    <p:extLst>
-      <p:ext uri="{BB962C8B-B14F-4D97-AF65-F5344CB8AC3E}">
-        <p14:creationId xmlns:p14="http://schemas.microsoft.com/office/powerpoint/2010/main" val="4179770307"/>
-      </p:ext>
-    </p:extLst>
-  </p:cSld>
-  <p:clrMapOvr>
-    <a:masterClrMapping/>
-  </p:clrMapOvr>
-</p:sld>
-</file>
-
-<file path=ppt/slides/slide7.xml><?xml version="1.0" encoding="utf-8"?>
-<p:sld xmlns:a="http://schemas.openxmlformats.org/drawingml/2006/main" xmlns:r="http://schemas.openxmlformats.org/officeDocument/2006/relationships" xmlns:p="http://schemas.openxmlformats.org/presentationml/2006/main">
-  <p:cSld>
-    <p:spTree>
-      <p:nvGrpSpPr>
-        <p:cNvPr id="1" name=""/>
-        <p:cNvGrpSpPr/>
-        <p:nvPr/>
-      </p:nvGrpSpPr>
-      <p:grpSpPr>
-        <a:xfrm>
-          <a:off x="0" y="0"/>
-          <a:ext cx="0" cy="0"/>
-          <a:chOff x="0" y="0"/>
-          <a:chExt cx="0" cy="0"/>
-        </a:xfrm>
-      </p:grpSpPr>
-      <p:sp>
-        <p:nvSpPr>
-          <p:cNvPr id="2" name="Title 1">
-            <a:extLst>
-              <a:ext uri="{FF2B5EF4-FFF2-40B4-BE49-F238E27FC236}">
-                <a16:creationId xmlns:a16="http://schemas.microsoft.com/office/drawing/2014/main" id="{8C35DD98-6078-41DD-AB77-094572A26AE7}"/>
-              </a:ext>
-            </a:extLst>
-          </p:cNvPr>
-          <p:cNvSpPr>
-            <a:spLocks noGrp="1"/>
-          </p:cNvSpPr>
-          <p:nvPr>
-            <p:ph type="title"/>
-          </p:nvPr>
-        </p:nvSpPr>
-        <p:spPr/>
-        <p:txBody>
-          <a:bodyPr/>
-          <a:lstStyle/>
-          <a:p>
-            <a:r>
-              <a:rPr lang="en-US" dirty="0"/>
-              <a:t>What goes in an if statement?</a:t>
-            </a:r>
-          </a:p>
-        </p:txBody>
-      </p:sp>
-      <p:graphicFrame>
-        <p:nvGraphicFramePr>
-          <p:cNvPr id="4" name="Table 4">
-            <a:extLst>
-              <a:ext uri="{FF2B5EF4-FFF2-40B4-BE49-F238E27FC236}">
-                <a16:creationId xmlns:a16="http://schemas.microsoft.com/office/drawing/2014/main" id="{6FC157AA-A98A-4D61-B094-35A06D9A5AE0}"/>
-              </a:ext>
-            </a:extLst>
-          </p:cNvPr>
-          <p:cNvGraphicFramePr>
-            <a:graphicFrameLocks noGrp="1"/>
-          </p:cNvGraphicFramePr>
-          <p:nvPr/>
-        </p:nvGraphicFramePr>
-        <p:xfrm>
-          <a:off x="2030412" y="2165033"/>
-          <a:ext cx="8128000" cy="3606800"/>
-        </p:xfrm>
-        <a:graphic>
-          <a:graphicData uri="http://schemas.openxmlformats.org/drawingml/2006/table">
-            <a:tbl>
-              <a:tblPr firstRow="1" bandRow="1">
-                <a:tableStyleId>{7DF18680-E054-41AD-8BC1-D1AEF772440D}</a:tableStyleId>
-              </a:tblPr>
-              <a:tblGrid>
-                <a:gridCol w="4064000">
-                  <a:extLst>
-                    <a:ext uri="{9D8B030D-6E8A-4147-A177-3AD203B41FA5}">
-                      <a16:colId xmlns:a16="http://schemas.microsoft.com/office/drawing/2014/main" val="2684311352"/>
-                    </a:ext>
-                  </a:extLst>
-                </a:gridCol>
-                <a:gridCol w="4064000">
-                  <a:extLst>
-                    <a:ext uri="{9D8B030D-6E8A-4147-A177-3AD203B41FA5}">
-                      <a16:colId xmlns:a16="http://schemas.microsoft.com/office/drawing/2014/main" val="605187459"/>
-                    </a:ext>
-                  </a:extLst>
-                </a:gridCol>
-              </a:tblGrid>
-              <a:tr h="370840">
-                <a:tc>
-                  <a:txBody>
-                    <a:bodyPr/>
-                    <a:lstStyle/>
-                    <a:p>
-                      <a:pPr algn="ctr"/>
-                      <a:r>
-                        <a:rPr lang="en-US" dirty="0"/>
-                        <a:t>Condition</a:t>
-                      </a:r>
-                    </a:p>
-                  </a:txBody>
-                  <a:tcPr/>
-                </a:tc>
-                <a:tc>
-                  <a:txBody>
-                    <a:bodyPr/>
-                    <a:lstStyle/>
-                    <a:p>
-                      <a:pPr algn="ctr"/>
-                      <a:r>
-                        <a:rPr lang="en-US" dirty="0"/>
-                        <a:t>Meaning</a:t>
-                      </a:r>
-                    </a:p>
-                  </a:txBody>
-                  <a:tcPr/>
-                </a:tc>
-                <a:extLst>
-                  <a:ext uri="{0D108BD9-81ED-4DB2-BD59-A6C34878D82A}">
-                    <a16:rowId xmlns:a16="http://schemas.microsoft.com/office/drawing/2014/main" val="1316153930"/>
-                  </a:ext>
-                </a:extLst>
-              </a:tr>
-              <a:tr h="370840">
-                <a:tc>
-                  <a:txBody>
-                    <a:bodyPr/>
-                    <a:lstStyle/>
-                    <a:p>
-                      <a:pPr algn="ctr"/>
-                      <a:r>
-                        <a:rPr lang="en-US" dirty="0"/>
-                        <a:t>a == b</a:t>
-                      </a:r>
-                    </a:p>
-                  </a:txBody>
-                  <a:tcPr/>
-                </a:tc>
-                <a:tc>
-                  <a:txBody>
-                    <a:bodyPr/>
-                    <a:lstStyle/>
-                    <a:p>
-                      <a:pPr algn="ctr"/>
-                      <a:r>
-                        <a:rPr lang="en-US" dirty="0"/>
-                        <a:t>Equal to</a:t>
-                      </a:r>
-                    </a:p>
-                  </a:txBody>
-                  <a:tcPr/>
-                </a:tc>
-                <a:extLst>
-                  <a:ext uri="{0D108BD9-81ED-4DB2-BD59-A6C34878D82A}">
-                    <a16:rowId xmlns:a16="http://schemas.microsoft.com/office/drawing/2014/main" val="3644013280"/>
-                  </a:ext>
-                </a:extLst>
-              </a:tr>
-              <a:tr h="370840">
-                <a:tc>
-                  <a:txBody>
-                    <a:bodyPr/>
-                    <a:lstStyle/>
-                    <a:p>
-                      <a:pPr algn="ctr"/>
-                      <a:r>
-                        <a:rPr lang="en-US" dirty="0"/>
-                        <a:t>a &gt; b</a:t>
-                      </a:r>
-                    </a:p>
-                  </a:txBody>
-                  <a:tcPr/>
-                </a:tc>
-                <a:tc>
-                  <a:txBody>
-                    <a:bodyPr/>
-                    <a:lstStyle/>
-                    <a:p>
-                      <a:pPr algn="ctr"/>
-                      <a:r>
-                        <a:rPr lang="en-US" dirty="0"/>
-                        <a:t>Greater than</a:t>
-                      </a:r>
-                    </a:p>
-                  </a:txBody>
-                  <a:tcPr/>
-                </a:tc>
-                <a:extLst>
-                  <a:ext uri="{0D108BD9-81ED-4DB2-BD59-A6C34878D82A}">
-                    <a16:rowId xmlns:a16="http://schemas.microsoft.com/office/drawing/2014/main" val="3216647746"/>
-                  </a:ext>
-                </a:extLst>
-              </a:tr>
-              <a:tr h="370840">
-                <a:tc>
-                  <a:txBody>
-                    <a:bodyPr/>
-                    <a:lstStyle/>
-                    <a:p>
-                      <a:pPr algn="ctr"/>
-                      <a:r>
-                        <a:rPr lang="en-US" dirty="0"/>
-                        <a:t>a &lt; b</a:t>
-                      </a:r>
-                    </a:p>
-                  </a:txBody>
-                  <a:tcPr/>
-                </a:tc>
-                <a:tc>
-                  <a:txBody>
-                    <a:bodyPr/>
-                    <a:lstStyle/>
-                    <a:p>
-                      <a:pPr algn="ctr"/>
-                      <a:r>
-                        <a:rPr lang="en-US" dirty="0"/>
-                        <a:t>Less than</a:t>
-                      </a:r>
-                    </a:p>
-                  </a:txBody>
-                  <a:tcPr/>
-                </a:tc>
-                <a:extLst>
-                  <a:ext uri="{0D108BD9-81ED-4DB2-BD59-A6C34878D82A}">
-                    <a16:rowId xmlns:a16="http://schemas.microsoft.com/office/drawing/2014/main" val="659605147"/>
-                  </a:ext>
-                </a:extLst>
-              </a:tr>
-              <a:tr h="370840">
-                <a:tc>
-                  <a:txBody>
-                    <a:bodyPr/>
-                    <a:lstStyle/>
-                    <a:p>
-                      <a:pPr algn="ctr"/>
-                      <a:r>
-                        <a:rPr lang="en-US" dirty="0"/>
-                        <a:t>a &gt;= b</a:t>
-                      </a:r>
-                    </a:p>
-                  </a:txBody>
-                  <a:tcPr/>
-                </a:tc>
-                <a:tc>
-                  <a:txBody>
-                    <a:bodyPr/>
-                    <a:lstStyle/>
-                    <a:p>
-                      <a:pPr algn="ctr"/>
-                      <a:r>
-                        <a:rPr lang="en-US" dirty="0"/>
-                        <a:t>Greater than or equal to</a:t>
-                      </a:r>
-                    </a:p>
-                  </a:txBody>
-                  <a:tcPr/>
-                </a:tc>
-                <a:extLst>
-                  <a:ext uri="{0D108BD9-81ED-4DB2-BD59-A6C34878D82A}">
-                    <a16:rowId xmlns:a16="http://schemas.microsoft.com/office/drawing/2014/main" val="525909044"/>
-                  </a:ext>
-                </a:extLst>
-              </a:tr>
-              <a:tr h="370840">
-                <a:tc>
-                  <a:txBody>
-                    <a:bodyPr/>
-                    <a:lstStyle/>
-                    <a:p>
-                      <a:pPr algn="ctr"/>
-                      <a:r>
-                        <a:rPr lang="en-US" dirty="0"/>
-                        <a:t>a &lt;= b</a:t>
-                      </a:r>
-                    </a:p>
-                  </a:txBody>
-                  <a:tcPr/>
-                </a:tc>
-                <a:tc>
-                  <a:txBody>
-                    <a:bodyPr/>
-                    <a:lstStyle/>
-                    <a:p>
-                      <a:pPr algn="ctr"/>
-                      <a:r>
-                        <a:rPr lang="en-US" dirty="0"/>
-                        <a:t>Less than or equal to</a:t>
-                      </a:r>
-                    </a:p>
-                  </a:txBody>
-                  <a:tcPr/>
-                </a:tc>
-                <a:extLst>
-                  <a:ext uri="{0D108BD9-81ED-4DB2-BD59-A6C34878D82A}">
-                    <a16:rowId xmlns:a16="http://schemas.microsoft.com/office/drawing/2014/main" val="684010960"/>
-                  </a:ext>
-                </a:extLst>
-              </a:tr>
-              <a:tr h="370840">
-                <a:tc>
-                  <a:txBody>
-                    <a:bodyPr/>
-                    <a:lstStyle/>
-                    <a:p>
-                      <a:pPr algn="ctr"/>
-                      <a:r>
-                        <a:rPr lang="en-US" dirty="0"/>
-                        <a:t>a != b</a:t>
-                      </a:r>
-                    </a:p>
-                  </a:txBody>
-                  <a:tcPr/>
-                </a:tc>
-                <a:tc>
-                  <a:txBody>
-                    <a:bodyPr/>
-                    <a:lstStyle/>
-                    <a:p>
-                      <a:pPr algn="ctr"/>
-                      <a:r>
-                        <a:rPr lang="en-US" dirty="0"/>
-                        <a:t>Not equal to</a:t>
-                      </a:r>
-                    </a:p>
-                  </a:txBody>
-                  <a:tcPr/>
-                </a:tc>
-                <a:extLst>
-                  <a:ext uri="{0D108BD9-81ED-4DB2-BD59-A6C34878D82A}">
-                    <a16:rowId xmlns:a16="http://schemas.microsoft.com/office/drawing/2014/main" val="2164990103"/>
-                  </a:ext>
-                </a:extLst>
-              </a:tr>
-              <a:tr h="370840">
-                <a:tc>
-                  <a:txBody>
-                    <a:bodyPr/>
-                    <a:lstStyle/>
-                    <a:p>
-                      <a:pPr algn="ctr"/>
-                      <a:r>
-                        <a:rPr lang="en-US" dirty="0"/>
-                        <a:t>str1.equals(str2) </a:t>
-                      </a:r>
-                    </a:p>
-                  </a:txBody>
-                  <a:tcPr/>
-                </a:tc>
-                <a:tc>
-                  <a:txBody>
-                    <a:bodyPr/>
-                    <a:lstStyle/>
-                    <a:p>
-                      <a:pPr algn="ctr"/>
-                      <a:r>
-                        <a:rPr lang="en-US" dirty="0"/>
-                        <a:t>Seeing if strings are equal</a:t>
-                      </a:r>
-                    </a:p>
-                  </a:txBody>
-                  <a:tcPr/>
-                </a:tc>
-                <a:extLst>
-                  <a:ext uri="{0D108BD9-81ED-4DB2-BD59-A6C34878D82A}">
-                    <a16:rowId xmlns:a16="http://schemas.microsoft.com/office/drawing/2014/main" val="2055553715"/>
-                  </a:ext>
-                </a:extLst>
-              </a:tr>
-              <a:tr h="370840">
-                <a:tc>
-                  <a:txBody>
-                    <a:bodyPr/>
-                    <a:lstStyle/>
-                    <a:p>
-                      <a:pPr algn="ctr"/>
-                      <a:r>
-                        <a:rPr lang="en-US" dirty="0"/>
-                        <a:t>str1.equalsIgnoreCase(str2)</a:t>
-                      </a:r>
-                    </a:p>
-                  </a:txBody>
-                  <a:tcPr/>
-                </a:tc>
-                <a:tc>
-                  <a:txBody>
-                    <a:bodyPr/>
-                    <a:lstStyle/>
-                    <a:p>
-                      <a:pPr algn="ctr"/>
-                      <a:r>
-                        <a:rPr lang="en-US" dirty="0"/>
-                        <a:t>Seeing if strings are equal while ignoring case sensitivity</a:t>
-                      </a:r>
-                    </a:p>
-                  </a:txBody>
-                  <a:tcPr/>
-                </a:tc>
-                <a:extLst>
-                  <a:ext uri="{0D108BD9-81ED-4DB2-BD59-A6C34878D82A}">
-                    <a16:rowId xmlns:a16="http://schemas.microsoft.com/office/drawing/2014/main" val="2207066506"/>
-                  </a:ext>
-                </a:extLst>
-              </a:tr>
-            </a:tbl>
-          </a:graphicData>
-        </a:graphic>
-      </p:graphicFrame>
-    </p:spTree>
-    <p:extLst>
-      <p:ext uri="{BB962C8B-B14F-4D97-AF65-F5344CB8AC3E}">
-        <p14:creationId xmlns:p14="http://schemas.microsoft.com/office/powerpoint/2010/main" val="1998778571"/>
-      </p:ext>
-    </p:extLst>
-  </p:cSld>
-  <p:clrMapOvr>
-    <a:masterClrMapping/>
-  </p:clrMapOvr>
-</p:sld>
-</file>
-
-<file path=ppt/slides/slide8.xml><?xml version="1.0" encoding="utf-8"?>
-<p:sld xmlns:a="http://schemas.openxmlformats.org/drawingml/2006/main" xmlns:r="http://schemas.openxmlformats.org/officeDocument/2006/relationships" xmlns:p="http://schemas.openxmlformats.org/presentationml/2006/main">
-  <p:cSld>
-    <p:spTree>
-      <p:nvGrpSpPr>
-        <p:cNvPr id="1" name=""/>
-        <p:cNvGrpSpPr/>
-        <p:nvPr/>
-      </p:nvGrpSpPr>
-      <p:grpSpPr>
-        <a:xfrm>
-          <a:off x="0" y="0"/>
-          <a:ext cx="0" cy="0"/>
-          <a:chOff x="0" y="0"/>
-          <a:chExt cx="0" cy="0"/>
-        </a:xfrm>
-      </p:grpSpPr>
-      <p:sp>
-        <p:nvSpPr>
-          <p:cNvPr id="2" name="Title 1">
-            <a:extLst>
-              <a:ext uri="{FF2B5EF4-FFF2-40B4-BE49-F238E27FC236}">
-                <a16:creationId xmlns:a16="http://schemas.microsoft.com/office/drawing/2014/main" id="{6BEA8A36-BA07-4501-B61D-3E47C0903A93}"/>
-              </a:ext>
-            </a:extLst>
-          </p:cNvPr>
-          <p:cNvSpPr>
-            <a:spLocks noGrp="1"/>
-          </p:cNvSpPr>
-          <p:nvPr>
-            <p:ph type="title"/>
-          </p:nvPr>
-        </p:nvSpPr>
-        <p:spPr/>
-        <p:txBody>
-          <a:bodyPr/>
-          <a:lstStyle/>
-          <a:p>
-            <a:r>
-              <a:rPr lang="en-US" dirty="0"/>
-              <a:t>What goes in an if statement?</a:t>
-            </a:r>
-          </a:p>
-        </p:txBody>
-      </p:sp>
-      <p:pic>
-        <p:nvPicPr>
-          <p:cNvPr id="5" name="Picture 4">
-            <a:extLst>
-              <a:ext uri="{FF2B5EF4-FFF2-40B4-BE49-F238E27FC236}">
-                <a16:creationId xmlns:a16="http://schemas.microsoft.com/office/drawing/2014/main" id="{426E565A-AF21-4450-9912-7C4B47394AA1}"/>
-              </a:ext>
-            </a:extLst>
-          </p:cNvPr>
-          <p:cNvPicPr>
-            <a:picLocks noChangeAspect="1"/>
-          </p:cNvPicPr>
-          <p:nvPr/>
-        </p:nvPicPr>
-        <p:blipFill>
-          <a:blip r:embed="rId2"/>
-          <a:stretch>
-            <a:fillRect/>
-          </a:stretch>
-        </p:blipFill>
-        <p:spPr>
-          <a:xfrm>
-            <a:off x="3338796" y="1895891"/>
-            <a:ext cx="5514408" cy="4541278"/>
-          </a:xfrm>
-          <a:prstGeom prst="rect">
-            <a:avLst/>
-          </a:prstGeom>
-        </p:spPr>
-      </p:pic>
-    </p:spTree>
-    <p:extLst>
-      <p:ext uri="{BB962C8B-B14F-4D97-AF65-F5344CB8AC3E}">
-        <p14:creationId xmlns:p14="http://schemas.microsoft.com/office/powerpoint/2010/main" val="2882241213"/>
-      </p:ext>
-    </p:extLst>
-  </p:cSld>
-  <p:clrMapOvr>
-    <a:masterClrMapping/>
-  </p:clrMapOvr>
-</p:sld>
-</file>
-
-<file path=ppt/slides/slide9.xml><?xml version="1.0" encoding="utf-8"?>
 <p:sld xmlns:a="http://schemas.openxmlformats.org/drawingml/2006/main" xmlns:r="http://schemas.openxmlformats.org/officeDocument/2006/relationships" xmlns:p="http://schemas.openxmlformats.org/presentationml/2006/main">
   <p:cSld>
     <p:spTree>
@@ -9134,6 +7234,2026 @@
 </p:sld>
 </file>
 
+<file path=ppt/slides/slide11.xml><?xml version="1.0" encoding="utf-8"?>
+<p:sld xmlns:a="http://schemas.openxmlformats.org/drawingml/2006/main" xmlns:r="http://schemas.openxmlformats.org/officeDocument/2006/relationships" xmlns:p="http://schemas.openxmlformats.org/presentationml/2006/main">
+  <p:cSld>
+    <p:spTree>
+      <p:nvGrpSpPr>
+        <p:cNvPr id="1" name=""/>
+        <p:cNvGrpSpPr/>
+        <p:nvPr/>
+      </p:nvGrpSpPr>
+      <p:grpSpPr>
+        <a:xfrm>
+          <a:off x="0" y="0"/>
+          <a:ext cx="0" cy="0"/>
+          <a:chOff x="0" y="0"/>
+          <a:chExt cx="0" cy="0"/>
+        </a:xfrm>
+      </p:grpSpPr>
+      <p:sp>
+        <p:nvSpPr>
+          <p:cNvPr id="2" name="Title 1">
+            <a:extLst>
+              <a:ext uri="{FF2B5EF4-FFF2-40B4-BE49-F238E27FC236}">
+                <a16:creationId xmlns:a16="http://schemas.microsoft.com/office/drawing/2014/main" id="{219734E1-BEC5-4F66-8244-EB9C5AE4BAF2}"/>
+              </a:ext>
+            </a:extLst>
+          </p:cNvPr>
+          <p:cNvSpPr>
+            <a:spLocks noGrp="1"/>
+          </p:cNvSpPr>
+          <p:nvPr>
+            <p:ph type="title"/>
+          </p:nvPr>
+        </p:nvSpPr>
+        <p:spPr/>
+        <p:txBody>
+          <a:bodyPr/>
+          <a:lstStyle/>
+          <a:p>
+            <a:r>
+              <a:rPr lang="en-US" dirty="0"/>
+              <a:t>SWITCH CASE</a:t>
+            </a:r>
+          </a:p>
+        </p:txBody>
+      </p:sp>
+      <p:pic>
+        <p:nvPicPr>
+          <p:cNvPr id="5" name="Picture 4">
+            <a:extLst>
+              <a:ext uri="{FF2B5EF4-FFF2-40B4-BE49-F238E27FC236}">
+                <a16:creationId xmlns:a16="http://schemas.microsoft.com/office/drawing/2014/main" id="{A91193D3-ADB2-44DA-B580-9B370A77AF10}"/>
+              </a:ext>
+            </a:extLst>
+          </p:cNvPr>
+          <p:cNvPicPr>
+            <a:picLocks noChangeAspect="1"/>
+          </p:cNvPicPr>
+          <p:nvPr/>
+        </p:nvPicPr>
+        <p:blipFill>
+          <a:blip r:embed="rId2"/>
+          <a:stretch>
+            <a:fillRect/>
+          </a:stretch>
+        </p:blipFill>
+        <p:spPr>
+          <a:xfrm>
+            <a:off x="6047709" y="0"/>
+            <a:ext cx="4373636" cy="6858000"/>
+          </a:xfrm>
+          <a:prstGeom prst="rect">
+            <a:avLst/>
+          </a:prstGeom>
+        </p:spPr>
+      </p:pic>
+      <p:sp>
+        <p:nvSpPr>
+          <p:cNvPr id="6" name="Content Placeholder 2">
+            <a:extLst>
+              <a:ext uri="{FF2B5EF4-FFF2-40B4-BE49-F238E27FC236}">
+                <a16:creationId xmlns:a16="http://schemas.microsoft.com/office/drawing/2014/main" id="{7D410D9A-CF1F-40E3-A81A-89A0E6381003}"/>
+              </a:ext>
+            </a:extLst>
+          </p:cNvPr>
+          <p:cNvSpPr>
+            <a:spLocks noGrp="1"/>
+          </p:cNvSpPr>
+          <p:nvPr>
+            <p:ph idx="1"/>
+          </p:nvPr>
+        </p:nvSpPr>
+        <p:spPr>
+          <a:xfrm>
+            <a:off x="1141413" y="2097087"/>
+            <a:ext cx="4816936" cy="3797629"/>
+          </a:xfrm>
+        </p:spPr>
+        <p:txBody>
+          <a:bodyPr>
+            <a:normAutofit/>
+          </a:bodyPr>
+          <a:lstStyle/>
+          <a:p>
+            <a:r>
+              <a:rPr lang="en-US" dirty="0"/>
+              <a:t>The default keyword is similar to a final “else” in a chain of if statements</a:t>
+            </a:r>
+          </a:p>
+          <a:p>
+            <a:r>
+              <a:rPr lang="en-US" dirty="0"/>
+              <a:t>MAKE SURE YOU INCLUDE BREAKS!!! </a:t>
+            </a:r>
+          </a:p>
+          <a:p>
+            <a:pPr lvl="1"/>
+            <a:r>
+              <a:rPr lang="en-US" dirty="0"/>
+              <a:t>Without the break keyword, monthString keeps getting reassigned and will end up as “Invalid month” </a:t>
+            </a:r>
+          </a:p>
+        </p:txBody>
+      </p:sp>
+    </p:spTree>
+    <p:extLst>
+      <p:ext uri="{BB962C8B-B14F-4D97-AF65-F5344CB8AC3E}">
+        <p14:creationId xmlns:p14="http://schemas.microsoft.com/office/powerpoint/2010/main" val="2963430963"/>
+      </p:ext>
+    </p:extLst>
+  </p:cSld>
+  <p:clrMapOvr>
+    <a:masterClrMapping/>
+  </p:clrMapOvr>
+</p:sld>
+</file>
+
+<file path=ppt/slides/slide12.xml><?xml version="1.0" encoding="utf-8"?>
+<p:sld xmlns:a="http://schemas.openxmlformats.org/drawingml/2006/main" xmlns:r="http://schemas.openxmlformats.org/officeDocument/2006/relationships" xmlns:p="http://schemas.openxmlformats.org/presentationml/2006/main">
+  <p:cSld>
+    <p:spTree>
+      <p:nvGrpSpPr>
+        <p:cNvPr id="1" name=""/>
+        <p:cNvGrpSpPr/>
+        <p:nvPr/>
+      </p:nvGrpSpPr>
+      <p:grpSpPr>
+        <a:xfrm>
+          <a:off x="0" y="0"/>
+          <a:ext cx="0" cy="0"/>
+          <a:chOff x="0" y="0"/>
+          <a:chExt cx="0" cy="0"/>
+        </a:xfrm>
+      </p:grpSpPr>
+      <p:sp>
+        <p:nvSpPr>
+          <p:cNvPr id="2" name="Title 1">
+            <a:extLst>
+              <a:ext uri="{FF2B5EF4-FFF2-40B4-BE49-F238E27FC236}">
+                <a16:creationId xmlns:a16="http://schemas.microsoft.com/office/drawing/2014/main" id="{738FBAAC-BF6F-461A-8C00-3652F22F7069}"/>
+              </a:ext>
+            </a:extLst>
+          </p:cNvPr>
+          <p:cNvSpPr>
+            <a:spLocks noGrp="1"/>
+          </p:cNvSpPr>
+          <p:nvPr>
+            <p:ph type="title"/>
+          </p:nvPr>
+        </p:nvSpPr>
+        <p:spPr/>
+        <p:txBody>
+          <a:bodyPr/>
+          <a:lstStyle/>
+          <a:p>
+            <a:r>
+              <a:rPr lang="en-US" dirty="0"/>
+              <a:t>Printf/formatting</a:t>
+            </a:r>
+          </a:p>
+        </p:txBody>
+      </p:sp>
+      <p:sp>
+        <p:nvSpPr>
+          <p:cNvPr id="3" name="Content Placeholder 2">
+            <a:extLst>
+              <a:ext uri="{FF2B5EF4-FFF2-40B4-BE49-F238E27FC236}">
+                <a16:creationId xmlns:a16="http://schemas.microsoft.com/office/drawing/2014/main" id="{24D9169B-814F-459B-A064-DBD7F19752F0}"/>
+              </a:ext>
+            </a:extLst>
+          </p:cNvPr>
+          <p:cNvSpPr>
+            <a:spLocks noGrp="1"/>
+          </p:cNvSpPr>
+          <p:nvPr>
+            <p:ph idx="1"/>
+          </p:nvPr>
+        </p:nvSpPr>
+        <p:spPr>
+          <a:xfrm>
+            <a:off x="1486723" y="4998116"/>
+            <a:ext cx="9905999" cy="861804"/>
+          </a:xfrm>
+        </p:spPr>
+        <p:txBody>
+          <a:bodyPr>
+            <a:normAutofit/>
+          </a:bodyPr>
+          <a:lstStyle/>
+          <a:p>
+            <a:r>
+              <a:rPr lang="en-US" dirty="0"/>
+              <a:t>Lots of other easy examples here: </a:t>
+            </a:r>
+            <a:r>
+              <a:rPr lang="en-US" dirty="0">
+                <a:hlinkClick r:id="rId2"/>
+              </a:rPr>
+              <a:t>https://www.jquery-az.com/10-examples-learn-java-string-formatting-printf-method/</a:t>
+            </a:r>
+            <a:endParaRPr lang="en-US" dirty="0"/>
+          </a:p>
+          <a:p>
+            <a:endParaRPr lang="en-US" dirty="0"/>
+          </a:p>
+        </p:txBody>
+      </p:sp>
+      <p:pic>
+        <p:nvPicPr>
+          <p:cNvPr id="5" name="Picture 4">
+            <a:extLst>
+              <a:ext uri="{FF2B5EF4-FFF2-40B4-BE49-F238E27FC236}">
+                <a16:creationId xmlns:a16="http://schemas.microsoft.com/office/drawing/2014/main" id="{ADC62B5E-91BE-488D-ABE0-792298272B5D}"/>
+              </a:ext>
+            </a:extLst>
+          </p:cNvPr>
+          <p:cNvPicPr>
+            <a:picLocks noChangeAspect="1"/>
+          </p:cNvPicPr>
+          <p:nvPr/>
+        </p:nvPicPr>
+        <p:blipFill>
+          <a:blip r:embed="rId3"/>
+          <a:stretch>
+            <a:fillRect/>
+          </a:stretch>
+        </p:blipFill>
+        <p:spPr>
+          <a:xfrm>
+            <a:off x="636719" y="2292217"/>
+            <a:ext cx="5803004" cy="2273565"/>
+          </a:xfrm>
+          <a:prstGeom prst="rect">
+            <a:avLst/>
+          </a:prstGeom>
+        </p:spPr>
+      </p:pic>
+      <p:pic>
+        <p:nvPicPr>
+          <p:cNvPr id="7" name="Picture 6">
+            <a:extLst>
+              <a:ext uri="{FF2B5EF4-FFF2-40B4-BE49-F238E27FC236}">
+                <a16:creationId xmlns:a16="http://schemas.microsoft.com/office/drawing/2014/main" id="{5F44BA4D-2576-4A2D-9585-5D2FBF04A904}"/>
+              </a:ext>
+            </a:extLst>
+          </p:cNvPr>
+          <p:cNvPicPr>
+            <a:picLocks noChangeAspect="1"/>
+          </p:cNvPicPr>
+          <p:nvPr/>
+        </p:nvPicPr>
+        <p:blipFill>
+          <a:blip r:embed="rId4"/>
+          <a:stretch>
+            <a:fillRect/>
+          </a:stretch>
+        </p:blipFill>
+        <p:spPr>
+          <a:xfrm>
+            <a:off x="7469211" y="2656373"/>
+            <a:ext cx="3315163" cy="1533739"/>
+          </a:xfrm>
+          <a:prstGeom prst="rect">
+            <a:avLst/>
+          </a:prstGeom>
+        </p:spPr>
+      </p:pic>
+    </p:spTree>
+    <p:extLst>
+      <p:ext uri="{BB962C8B-B14F-4D97-AF65-F5344CB8AC3E}">
+        <p14:creationId xmlns:p14="http://schemas.microsoft.com/office/powerpoint/2010/main" val="4187495297"/>
+      </p:ext>
+    </p:extLst>
+  </p:cSld>
+  <p:clrMapOvr>
+    <a:masterClrMapping/>
+  </p:clrMapOvr>
+</p:sld>
+</file>
+
+<file path=ppt/slides/slide13.xml><?xml version="1.0" encoding="utf-8"?>
+<p:sld xmlns:a="http://schemas.openxmlformats.org/drawingml/2006/main" xmlns:r="http://schemas.openxmlformats.org/officeDocument/2006/relationships" xmlns:p="http://schemas.openxmlformats.org/presentationml/2006/main">
+  <p:cSld>
+    <p:spTree>
+      <p:nvGrpSpPr>
+        <p:cNvPr id="1" name=""/>
+        <p:cNvGrpSpPr/>
+        <p:nvPr/>
+      </p:nvGrpSpPr>
+      <p:grpSpPr>
+        <a:xfrm>
+          <a:off x="0" y="0"/>
+          <a:ext cx="0" cy="0"/>
+          <a:chOff x="0" y="0"/>
+          <a:chExt cx="0" cy="0"/>
+        </a:xfrm>
+      </p:grpSpPr>
+      <p:sp>
+        <p:nvSpPr>
+          <p:cNvPr id="2" name="Title 1">
+            <a:extLst>
+              <a:ext uri="{FF2B5EF4-FFF2-40B4-BE49-F238E27FC236}">
+                <a16:creationId xmlns:a16="http://schemas.microsoft.com/office/drawing/2014/main" id="{54FD5BA5-26DD-402D-82BE-5DCF18940097}"/>
+              </a:ext>
+            </a:extLst>
+          </p:cNvPr>
+          <p:cNvSpPr>
+            <a:spLocks noGrp="1"/>
+          </p:cNvSpPr>
+          <p:nvPr>
+            <p:ph type="title"/>
+          </p:nvPr>
+        </p:nvSpPr>
+        <p:spPr>
+          <a:xfrm>
+            <a:off x="3368540" y="2689715"/>
+            <a:ext cx="5454919" cy="1478570"/>
+          </a:xfrm>
+        </p:spPr>
+        <p:txBody>
+          <a:bodyPr>
+            <a:normAutofit fontScale="90000"/>
+          </a:bodyPr>
+          <a:lstStyle/>
+          <a:p>
+            <a:pPr algn="ctr"/>
+            <a:r>
+              <a:rPr lang="en-US" sz="6600" dirty="0"/>
+              <a:t>MIDTERM Q&amp;A</a:t>
+            </a:r>
+            <a:br>
+              <a:rPr lang="en-US" sz="6600" dirty="0"/>
+            </a:br>
+            <a:r>
+              <a:rPr lang="en-US" sz="1800" dirty="0">
+                <a:hlinkClick r:id="rId2"/>
+              </a:rPr>
+              <a:t>And then a Kahoot</a:t>
+            </a:r>
+            <a:endParaRPr lang="en-US" sz="1800" dirty="0"/>
+          </a:p>
+        </p:txBody>
+      </p:sp>
+    </p:spTree>
+    <p:extLst>
+      <p:ext uri="{BB962C8B-B14F-4D97-AF65-F5344CB8AC3E}">
+        <p14:creationId xmlns:p14="http://schemas.microsoft.com/office/powerpoint/2010/main" val="1715803406"/>
+      </p:ext>
+    </p:extLst>
+  </p:cSld>
+  <p:clrMapOvr>
+    <a:masterClrMapping/>
+  </p:clrMapOvr>
+</p:sld>
+</file>
+
+<file path=ppt/slides/slide14.xml><?xml version="1.0" encoding="utf-8"?>
+<p:sld xmlns:a="http://schemas.openxmlformats.org/drawingml/2006/main" xmlns:r="http://schemas.openxmlformats.org/officeDocument/2006/relationships" xmlns:p="http://schemas.openxmlformats.org/presentationml/2006/main">
+  <p:cSld>
+    <p:spTree>
+      <p:nvGrpSpPr>
+        <p:cNvPr id="1" name=""/>
+        <p:cNvGrpSpPr/>
+        <p:nvPr/>
+      </p:nvGrpSpPr>
+      <p:grpSpPr>
+        <a:xfrm>
+          <a:off x="0" y="0"/>
+          <a:ext cx="0" cy="0"/>
+          <a:chOff x="0" y="0"/>
+          <a:chExt cx="0" cy="0"/>
+        </a:xfrm>
+      </p:grpSpPr>
+      <p:sp>
+        <p:nvSpPr>
+          <p:cNvPr id="2" name="Title 1">
+            <a:extLst>
+              <a:ext uri="{FF2B5EF4-FFF2-40B4-BE49-F238E27FC236}">
+                <a16:creationId xmlns:a16="http://schemas.microsoft.com/office/drawing/2014/main" id="{C07BCA09-4AAA-4CF2-BB02-E701D5A2E51E}"/>
+              </a:ext>
+            </a:extLst>
+          </p:cNvPr>
+          <p:cNvSpPr>
+            <a:spLocks noGrp="1"/>
+          </p:cNvSpPr>
+          <p:nvPr>
+            <p:ph type="title"/>
+          </p:nvPr>
+        </p:nvSpPr>
+        <p:spPr/>
+        <p:txBody>
+          <a:bodyPr/>
+          <a:lstStyle/>
+          <a:p>
+            <a:r>
+              <a:rPr lang="en-US" dirty="0"/>
+              <a:t>For next week</a:t>
+            </a:r>
+          </a:p>
+        </p:txBody>
+      </p:sp>
+      <p:sp>
+        <p:nvSpPr>
+          <p:cNvPr id="3" name="Content Placeholder 2">
+            <a:extLst>
+              <a:ext uri="{FF2B5EF4-FFF2-40B4-BE49-F238E27FC236}">
+                <a16:creationId xmlns:a16="http://schemas.microsoft.com/office/drawing/2014/main" id="{AF03CE7B-894F-4C32-A38C-B0AC7AC85D8A}"/>
+              </a:ext>
+            </a:extLst>
+          </p:cNvPr>
+          <p:cNvSpPr>
+            <a:spLocks noGrp="1"/>
+          </p:cNvSpPr>
+          <p:nvPr>
+            <p:ph idx="1"/>
+          </p:nvPr>
+        </p:nvSpPr>
+        <p:spPr>
+          <a:xfrm>
+            <a:off x="1141412" y="2249487"/>
+            <a:ext cx="9905999" cy="3806256"/>
+          </a:xfrm>
+        </p:spPr>
+        <p:txBody>
+          <a:bodyPr>
+            <a:normAutofit/>
+          </a:bodyPr>
+          <a:lstStyle/>
+          <a:p>
+            <a:r>
+              <a:rPr lang="en-US" dirty="0"/>
+              <a:t>No lab this week – study!!</a:t>
+            </a:r>
+          </a:p>
+          <a:p>
+            <a:r>
+              <a:rPr lang="en-US" dirty="0"/>
+              <a:t>Come to office hours if you’re struggling!</a:t>
+            </a:r>
+          </a:p>
+          <a:p>
+            <a:r>
+              <a:rPr lang="en-US" dirty="0"/>
+              <a:t>We made a Discord server! </a:t>
+            </a:r>
+            <a:r>
+              <a:rPr lang="en-US" dirty="0">
+                <a:hlinkClick r:id="rId2"/>
+              </a:rPr>
+              <a:t>https://discord.gg/23weGMFk</a:t>
+            </a:r>
+            <a:endParaRPr lang="en-US" dirty="0"/>
+          </a:p>
+          <a:p>
+            <a:pPr lvl="1"/>
+            <a:r>
+              <a:rPr lang="en-US" dirty="0"/>
+              <a:t>Joining is optional, but it’ll be a good point of contact with us and your peers.</a:t>
+            </a:r>
+          </a:p>
+        </p:txBody>
+      </p:sp>
+    </p:spTree>
+    <p:extLst>
+      <p:ext uri="{BB962C8B-B14F-4D97-AF65-F5344CB8AC3E}">
+        <p14:creationId xmlns:p14="http://schemas.microsoft.com/office/powerpoint/2010/main" val="4255036070"/>
+      </p:ext>
+    </p:extLst>
+  </p:cSld>
+  <p:clrMapOvr>
+    <a:masterClrMapping/>
+  </p:clrMapOvr>
+</p:sld>
+</file>
+
+<file path=ppt/slides/slide2.xml><?xml version="1.0" encoding="utf-8"?>
+<p:sld xmlns:a="http://schemas.openxmlformats.org/drawingml/2006/main" xmlns:r="http://schemas.openxmlformats.org/officeDocument/2006/relationships" xmlns:p="http://schemas.openxmlformats.org/presentationml/2006/main">
+  <p:cSld>
+    <p:spTree>
+      <p:nvGrpSpPr>
+        <p:cNvPr id="1" name=""/>
+        <p:cNvGrpSpPr/>
+        <p:nvPr/>
+      </p:nvGrpSpPr>
+      <p:grpSpPr>
+        <a:xfrm>
+          <a:off x="0" y="0"/>
+          <a:ext cx="0" cy="0"/>
+          <a:chOff x="0" y="0"/>
+          <a:chExt cx="0" cy="0"/>
+        </a:xfrm>
+      </p:grpSpPr>
+      <p:sp>
+        <p:nvSpPr>
+          <p:cNvPr id="2" name="Title 1">
+            <a:extLst>
+              <a:ext uri="{FF2B5EF4-FFF2-40B4-BE49-F238E27FC236}">
+                <a16:creationId xmlns:a16="http://schemas.microsoft.com/office/drawing/2014/main" id="{D9B328A2-37B6-4977-ACB8-BA8780C09E81}"/>
+              </a:ext>
+            </a:extLst>
+          </p:cNvPr>
+          <p:cNvSpPr>
+            <a:spLocks noGrp="1"/>
+          </p:cNvSpPr>
+          <p:nvPr>
+            <p:ph type="title"/>
+          </p:nvPr>
+        </p:nvSpPr>
+        <p:spPr/>
+        <p:txBody>
+          <a:bodyPr/>
+          <a:lstStyle/>
+          <a:p>
+            <a:r>
+              <a:rPr lang="en-US" dirty="0"/>
+              <a:t>Overview</a:t>
+            </a:r>
+          </a:p>
+        </p:txBody>
+      </p:sp>
+      <p:sp>
+        <p:nvSpPr>
+          <p:cNvPr id="3" name="Content Placeholder 2">
+            <a:extLst>
+              <a:ext uri="{FF2B5EF4-FFF2-40B4-BE49-F238E27FC236}">
+                <a16:creationId xmlns:a16="http://schemas.microsoft.com/office/drawing/2014/main" id="{6AB37740-ED68-4E77-BF99-3C1026335005}"/>
+              </a:ext>
+            </a:extLst>
+          </p:cNvPr>
+          <p:cNvSpPr>
+            <a:spLocks noGrp="1"/>
+          </p:cNvSpPr>
+          <p:nvPr>
+            <p:ph idx="1"/>
+          </p:nvPr>
+        </p:nvSpPr>
+        <p:spPr/>
+        <p:txBody>
+          <a:bodyPr>
+            <a:normAutofit/>
+          </a:bodyPr>
+          <a:lstStyle/>
+          <a:p>
+            <a:r>
+              <a:rPr lang="en-US" dirty="0"/>
+              <a:t>OneDrive Review</a:t>
+            </a:r>
+          </a:p>
+          <a:p>
+            <a:r>
+              <a:rPr lang="en-US" dirty="0"/>
+              <a:t>A Note on Primitives</a:t>
+            </a:r>
+          </a:p>
+          <a:p>
+            <a:r>
+              <a:rPr lang="en-US" dirty="0"/>
+              <a:t>If structures</a:t>
+            </a:r>
+          </a:p>
+          <a:p>
+            <a:r>
+              <a:rPr lang="en-US" dirty="0"/>
+              <a:t>Boolean operations</a:t>
+            </a:r>
+          </a:p>
+          <a:p>
+            <a:r>
+              <a:rPr lang="en-US" dirty="0"/>
+              <a:t>Switch case</a:t>
+            </a:r>
+          </a:p>
+          <a:p>
+            <a:r>
+              <a:rPr lang="en-US" dirty="0"/>
+              <a:t>Printf</a:t>
+            </a:r>
+          </a:p>
+          <a:p>
+            <a:r>
+              <a:rPr lang="en-US" dirty="0"/>
+              <a:t>Midterm Q&amp;A</a:t>
+            </a:r>
+          </a:p>
+        </p:txBody>
+      </p:sp>
+    </p:spTree>
+    <p:extLst>
+      <p:ext uri="{BB962C8B-B14F-4D97-AF65-F5344CB8AC3E}">
+        <p14:creationId xmlns:p14="http://schemas.microsoft.com/office/powerpoint/2010/main" val="2467430042"/>
+      </p:ext>
+    </p:extLst>
+  </p:cSld>
+  <p:clrMapOvr>
+    <a:masterClrMapping/>
+  </p:clrMapOvr>
+</p:sld>
+</file>
+
+<file path=ppt/slides/slide3.xml><?xml version="1.0" encoding="utf-8"?>
+<p:sld xmlns:a="http://schemas.openxmlformats.org/drawingml/2006/main" xmlns:r="http://schemas.openxmlformats.org/officeDocument/2006/relationships" xmlns:p="http://schemas.openxmlformats.org/presentationml/2006/main">
+  <p:cSld>
+    <p:spTree>
+      <p:nvGrpSpPr>
+        <p:cNvPr id="1" name=""/>
+        <p:cNvGrpSpPr/>
+        <p:nvPr/>
+      </p:nvGrpSpPr>
+      <p:grpSpPr>
+        <a:xfrm>
+          <a:off x="0" y="0"/>
+          <a:ext cx="0" cy="0"/>
+          <a:chOff x="0" y="0"/>
+          <a:chExt cx="0" cy="0"/>
+        </a:xfrm>
+      </p:grpSpPr>
+      <p:sp>
+        <p:nvSpPr>
+          <p:cNvPr id="2" name="Title 1">
+            <a:extLst>
+              <a:ext uri="{FF2B5EF4-FFF2-40B4-BE49-F238E27FC236}">
+                <a16:creationId xmlns:a16="http://schemas.microsoft.com/office/drawing/2014/main" id="{F6DD0DF4-2B49-4A49-9649-1BAA4D303F01}"/>
+              </a:ext>
+            </a:extLst>
+          </p:cNvPr>
+          <p:cNvSpPr>
+            <a:spLocks noGrp="1"/>
+          </p:cNvSpPr>
+          <p:nvPr>
+            <p:ph type="title"/>
+          </p:nvPr>
+        </p:nvSpPr>
+        <p:spPr/>
+        <p:txBody>
+          <a:bodyPr/>
+          <a:lstStyle/>
+          <a:p>
+            <a:r>
+              <a:rPr lang="en-US" dirty="0"/>
+              <a:t>Today’s Office Hours</a:t>
+            </a:r>
+          </a:p>
+        </p:txBody>
+      </p:sp>
+      <p:sp>
+        <p:nvSpPr>
+          <p:cNvPr id="3" name="Content Placeholder 2">
+            <a:extLst>
+              <a:ext uri="{FF2B5EF4-FFF2-40B4-BE49-F238E27FC236}">
+                <a16:creationId xmlns:a16="http://schemas.microsoft.com/office/drawing/2014/main" id="{A487CC52-8BCB-7642-B9CC-75720672608E}"/>
+              </a:ext>
+            </a:extLst>
+          </p:cNvPr>
+          <p:cNvSpPr>
+            <a:spLocks noGrp="1"/>
+          </p:cNvSpPr>
+          <p:nvPr>
+            <p:ph idx="1"/>
+          </p:nvPr>
+        </p:nvSpPr>
+        <p:spPr/>
+        <p:txBody>
+          <a:bodyPr/>
+          <a:lstStyle/>
+          <a:p>
+            <a:r>
+              <a:rPr lang="en-US" dirty="0"/>
+              <a:t>I had to move today’s office hours to tomorrow.</a:t>
+            </a:r>
+          </a:p>
+          <a:p>
+            <a:r>
+              <a:rPr lang="en-US" dirty="0"/>
+              <a:t>They’ll be 1:30-3:30 in 5806 </a:t>
+            </a:r>
+            <a:r>
+              <a:rPr lang="en-US" dirty="0" err="1"/>
+              <a:t>Sennott</a:t>
+            </a:r>
+            <a:r>
+              <a:rPr lang="en-US" dirty="0"/>
+              <a:t> Square and the Zoom link on Canvas that’s normally used for Thursdays.</a:t>
+            </a:r>
+          </a:p>
+          <a:p>
+            <a:r>
+              <a:rPr lang="en-US" dirty="0"/>
+              <a:t>If that time doesn’t work for you, use the </a:t>
+            </a:r>
+            <a:r>
+              <a:rPr lang="en-US" dirty="0" err="1"/>
+              <a:t>calendly</a:t>
+            </a:r>
+            <a:r>
+              <a:rPr lang="en-US" dirty="0"/>
+              <a:t> link on Canvas to schedule a time with me that works </a:t>
+            </a:r>
+            <a:r>
+              <a:rPr lang="en-US"/>
+              <a:t>for the both of us.</a:t>
+            </a:r>
+            <a:endParaRPr lang="en-US" dirty="0"/>
+          </a:p>
+        </p:txBody>
+      </p:sp>
+    </p:spTree>
+    <p:extLst>
+      <p:ext uri="{BB962C8B-B14F-4D97-AF65-F5344CB8AC3E}">
+        <p14:creationId xmlns:p14="http://schemas.microsoft.com/office/powerpoint/2010/main" val="2447903452"/>
+      </p:ext>
+    </p:extLst>
+  </p:cSld>
+  <p:clrMapOvr>
+    <a:masterClrMapping/>
+  </p:clrMapOvr>
+</p:sld>
+</file>
+
+<file path=ppt/slides/slide4.xml><?xml version="1.0" encoding="utf-8"?>
+<p:sld xmlns:a="http://schemas.openxmlformats.org/drawingml/2006/main" xmlns:r="http://schemas.openxmlformats.org/officeDocument/2006/relationships" xmlns:p="http://schemas.openxmlformats.org/presentationml/2006/main">
+  <p:cSld>
+    <p:spTree>
+      <p:nvGrpSpPr>
+        <p:cNvPr id="1" name=""/>
+        <p:cNvGrpSpPr/>
+        <p:nvPr/>
+      </p:nvGrpSpPr>
+      <p:grpSpPr>
+        <a:xfrm>
+          <a:off x="0" y="0"/>
+          <a:ext cx="0" cy="0"/>
+          <a:chOff x="0" y="0"/>
+          <a:chExt cx="0" cy="0"/>
+        </a:xfrm>
+      </p:grpSpPr>
+      <p:sp>
+        <p:nvSpPr>
+          <p:cNvPr id="2" name="Title 1">
+            <a:extLst>
+              <a:ext uri="{FF2B5EF4-FFF2-40B4-BE49-F238E27FC236}">
+                <a16:creationId xmlns:a16="http://schemas.microsoft.com/office/drawing/2014/main" id="{B65F0A85-BE32-42FB-B86D-68CB71DB7EE5}"/>
+              </a:ext>
+            </a:extLst>
+          </p:cNvPr>
+          <p:cNvSpPr>
+            <a:spLocks noGrp="1"/>
+          </p:cNvSpPr>
+          <p:nvPr>
+            <p:ph type="title"/>
+          </p:nvPr>
+        </p:nvSpPr>
+        <p:spPr/>
+        <p:txBody>
+          <a:bodyPr/>
+          <a:lstStyle/>
+          <a:p>
+            <a:r>
+              <a:rPr lang="en-US" dirty="0" err="1"/>
+              <a:t>Onedrive</a:t>
+            </a:r>
+            <a:r>
+              <a:rPr lang="en-US" dirty="0"/>
+              <a:t>… thoughts?</a:t>
+            </a:r>
+          </a:p>
+        </p:txBody>
+      </p:sp>
+      <p:sp>
+        <p:nvSpPr>
+          <p:cNvPr id="3" name="Content Placeholder 2">
+            <a:extLst>
+              <a:ext uri="{FF2B5EF4-FFF2-40B4-BE49-F238E27FC236}">
+                <a16:creationId xmlns:a16="http://schemas.microsoft.com/office/drawing/2014/main" id="{8E44B9E7-254D-46AE-95CF-785086E15A3D}"/>
+              </a:ext>
+            </a:extLst>
+          </p:cNvPr>
+          <p:cNvSpPr>
+            <a:spLocks noGrp="1"/>
+          </p:cNvSpPr>
+          <p:nvPr>
+            <p:ph idx="1"/>
+          </p:nvPr>
+        </p:nvSpPr>
+        <p:spPr/>
+        <p:txBody>
+          <a:bodyPr/>
+          <a:lstStyle/>
+          <a:p>
+            <a:r>
+              <a:rPr lang="en-US" dirty="0"/>
+              <a:t>Submitting things for us UTAs to grade is hard </a:t>
+            </a:r>
+            <a:r>
+              <a:rPr lang="en-US" dirty="0">
+                <a:sym typeface="Wingdings" panose="05000000000000000000" pitchFamily="2" charset="2"/>
+              </a:rPr>
+              <a:t></a:t>
+            </a:r>
+          </a:p>
+          <a:p>
+            <a:r>
+              <a:rPr lang="en-US" dirty="0">
+                <a:sym typeface="Wingdings" panose="05000000000000000000" pitchFamily="2" charset="2"/>
+              </a:rPr>
+              <a:t>This was our solution</a:t>
+            </a:r>
+          </a:p>
+          <a:p>
+            <a:pPr lvl="1"/>
+            <a:r>
+              <a:rPr lang="en-US" dirty="0">
+                <a:sym typeface="Wingdings" panose="05000000000000000000" pitchFamily="2" charset="2"/>
+              </a:rPr>
+              <a:t>You should have received an email from OneDrive… let me know if you didn’t!</a:t>
+            </a:r>
+          </a:p>
+          <a:p>
+            <a:pPr lvl="1"/>
+            <a:r>
+              <a:rPr lang="en-US" dirty="0">
+                <a:sym typeface="Wingdings" panose="05000000000000000000" pitchFamily="2" charset="2"/>
+              </a:rPr>
+              <a:t>Save that link so you can submit things later (or just go to the Shared tab in your own OneDrive)</a:t>
+            </a:r>
+          </a:p>
+          <a:p>
+            <a:pPr lvl="1"/>
+            <a:r>
+              <a:rPr lang="en-US" dirty="0">
+                <a:sym typeface="Wingdings" panose="05000000000000000000" pitchFamily="2" charset="2"/>
+              </a:rPr>
+              <a:t>If you had any specific troubles with it, I’m gonna be lenient about lab submissions. Technically the lab was due last night, but I won’t start </a:t>
+            </a:r>
+            <a:r>
+              <a:rPr lang="en-US" i="1" dirty="0">
+                <a:sym typeface="Wingdings" panose="05000000000000000000" pitchFamily="2" charset="2"/>
+              </a:rPr>
+              <a:t>actually</a:t>
+            </a:r>
+            <a:r>
+              <a:rPr lang="en-US" dirty="0">
+                <a:sym typeface="Wingdings" panose="05000000000000000000" pitchFamily="2" charset="2"/>
+              </a:rPr>
+              <a:t> grading until sometime Friday afternoon… </a:t>
+            </a:r>
+            <a:endParaRPr lang="en-US" dirty="0"/>
+          </a:p>
+        </p:txBody>
+      </p:sp>
+    </p:spTree>
+    <p:extLst>
+      <p:ext uri="{BB962C8B-B14F-4D97-AF65-F5344CB8AC3E}">
+        <p14:creationId xmlns:p14="http://schemas.microsoft.com/office/powerpoint/2010/main" val="2023074644"/>
+      </p:ext>
+    </p:extLst>
+  </p:cSld>
+  <p:clrMapOvr>
+    <a:masterClrMapping/>
+  </p:clrMapOvr>
+</p:sld>
+</file>
+
+<file path=ppt/slides/slide5.xml><?xml version="1.0" encoding="utf-8"?>
+<p:sld xmlns:a="http://schemas.openxmlformats.org/drawingml/2006/main" xmlns:r="http://schemas.openxmlformats.org/officeDocument/2006/relationships" xmlns:p="http://schemas.openxmlformats.org/presentationml/2006/main">
+  <p:cSld>
+    <p:spTree>
+      <p:nvGrpSpPr>
+        <p:cNvPr id="1" name=""/>
+        <p:cNvGrpSpPr/>
+        <p:nvPr/>
+      </p:nvGrpSpPr>
+      <p:grpSpPr>
+        <a:xfrm>
+          <a:off x="0" y="0"/>
+          <a:ext cx="0" cy="0"/>
+          <a:chOff x="0" y="0"/>
+          <a:chExt cx="0" cy="0"/>
+        </a:xfrm>
+      </p:grpSpPr>
+      <p:sp>
+        <p:nvSpPr>
+          <p:cNvPr id="2" name="Title 1">
+            <a:extLst>
+              <a:ext uri="{FF2B5EF4-FFF2-40B4-BE49-F238E27FC236}">
+                <a16:creationId xmlns:a16="http://schemas.microsoft.com/office/drawing/2014/main" id="{67161102-A929-4D50-81D4-1D3265D04D73}"/>
+              </a:ext>
+            </a:extLst>
+          </p:cNvPr>
+          <p:cNvSpPr>
+            <a:spLocks noGrp="1"/>
+          </p:cNvSpPr>
+          <p:nvPr>
+            <p:ph type="title"/>
+          </p:nvPr>
+        </p:nvSpPr>
+        <p:spPr/>
+        <p:txBody>
+          <a:bodyPr/>
+          <a:lstStyle/>
+          <a:p>
+            <a:r>
+              <a:rPr lang="en-US" dirty="0"/>
+              <a:t>A Note on primitives</a:t>
+            </a:r>
+          </a:p>
+        </p:txBody>
+      </p:sp>
+      <p:sp>
+        <p:nvSpPr>
+          <p:cNvPr id="3" name="Content Placeholder 2">
+            <a:extLst>
+              <a:ext uri="{FF2B5EF4-FFF2-40B4-BE49-F238E27FC236}">
+                <a16:creationId xmlns:a16="http://schemas.microsoft.com/office/drawing/2014/main" id="{49F9D175-300A-4266-A746-521ED08B0B8B}"/>
+              </a:ext>
+            </a:extLst>
+          </p:cNvPr>
+          <p:cNvSpPr>
+            <a:spLocks noGrp="1"/>
+          </p:cNvSpPr>
+          <p:nvPr>
+            <p:ph idx="1"/>
+          </p:nvPr>
+        </p:nvSpPr>
+        <p:spPr>
+          <a:xfrm>
+            <a:off x="1141411" y="1795163"/>
+            <a:ext cx="9905999" cy="3541714"/>
+          </a:xfrm>
+        </p:spPr>
+        <p:txBody>
+          <a:bodyPr/>
+          <a:lstStyle/>
+          <a:p>
+            <a:r>
+              <a:rPr lang="en-US" dirty="0"/>
+              <a:t>Sometimes in the lab it can be difficult to decide which variable to use for what… here’s some notes</a:t>
+            </a:r>
+          </a:p>
+        </p:txBody>
+      </p:sp>
+      <p:graphicFrame>
+        <p:nvGraphicFramePr>
+          <p:cNvPr id="4" name="Table 4">
+            <a:extLst>
+              <a:ext uri="{FF2B5EF4-FFF2-40B4-BE49-F238E27FC236}">
+                <a16:creationId xmlns:a16="http://schemas.microsoft.com/office/drawing/2014/main" id="{607BA652-028A-4200-9CA0-A6EF9F81777E}"/>
+              </a:ext>
+            </a:extLst>
+          </p:cNvPr>
+          <p:cNvGraphicFramePr>
+            <a:graphicFrameLocks noGrp="1"/>
+          </p:cNvGraphicFramePr>
+          <p:nvPr>
+            <p:extLst>
+              <p:ext uri="{D42A27DB-BD31-4B8C-83A1-F6EECF244321}">
+                <p14:modId xmlns:p14="http://schemas.microsoft.com/office/powerpoint/2010/main" val="4143371986"/>
+              </p:ext>
+            </p:extLst>
+          </p:nvPr>
+        </p:nvGraphicFramePr>
+        <p:xfrm>
+          <a:off x="1370968" y="2540000"/>
+          <a:ext cx="9446884" cy="4318000"/>
+        </p:xfrm>
+        <a:graphic>
+          <a:graphicData uri="http://schemas.openxmlformats.org/drawingml/2006/table">
+            <a:tbl>
+              <a:tblPr firstRow="1" bandRow="1">
+                <a:tableStyleId>{7DF18680-E054-41AD-8BC1-D1AEF772440D}</a:tableStyleId>
+              </a:tblPr>
+              <a:tblGrid>
+                <a:gridCol w="4723442">
+                  <a:extLst>
+                    <a:ext uri="{9D8B030D-6E8A-4147-A177-3AD203B41FA5}">
+                      <a16:colId xmlns:a16="http://schemas.microsoft.com/office/drawing/2014/main" val="1758047102"/>
+                    </a:ext>
+                  </a:extLst>
+                </a:gridCol>
+                <a:gridCol w="4723442">
+                  <a:extLst>
+                    <a:ext uri="{9D8B030D-6E8A-4147-A177-3AD203B41FA5}">
+                      <a16:colId xmlns:a16="http://schemas.microsoft.com/office/drawing/2014/main" val="186496507"/>
+                    </a:ext>
+                  </a:extLst>
+                </a:gridCol>
+              </a:tblGrid>
+              <a:tr h="370840">
+                <a:tc>
+                  <a:txBody>
+                    <a:bodyPr/>
+                    <a:lstStyle/>
+                    <a:p>
+                      <a:r>
+                        <a:rPr lang="en-US" dirty="0"/>
+                        <a:t>Primitive Type</a:t>
+                      </a:r>
+                    </a:p>
+                  </a:txBody>
+                  <a:tcPr/>
+                </a:tc>
+                <a:tc>
+                  <a:txBody>
+                    <a:bodyPr/>
+                    <a:lstStyle/>
+                    <a:p>
+                      <a:r>
+                        <a:rPr lang="en-US" dirty="0"/>
+                        <a:t>Notes</a:t>
+                      </a:r>
+                    </a:p>
+                  </a:txBody>
+                  <a:tcPr/>
+                </a:tc>
+                <a:extLst>
+                  <a:ext uri="{0D108BD9-81ED-4DB2-BD59-A6C34878D82A}">
+                    <a16:rowId xmlns:a16="http://schemas.microsoft.com/office/drawing/2014/main" val="2199394420"/>
+                  </a:ext>
+                </a:extLst>
+              </a:tr>
+              <a:tr h="370840">
+                <a:tc>
+                  <a:txBody>
+                    <a:bodyPr/>
+                    <a:lstStyle/>
+                    <a:p>
+                      <a:r>
+                        <a:rPr lang="en-US" dirty="0"/>
+                        <a:t>byte </a:t>
+                      </a:r>
+                    </a:p>
+                  </a:txBody>
+                  <a:tcPr/>
+                </a:tc>
+                <a:tc>
+                  <a:txBody>
+                    <a:bodyPr/>
+                    <a:lstStyle/>
+                    <a:p>
+                      <a:r>
+                        <a:rPr lang="en-US" dirty="0"/>
+                        <a:t>Possible values: [-128 thru 127]</a:t>
+                      </a:r>
+                    </a:p>
+                  </a:txBody>
+                  <a:tcPr/>
+                </a:tc>
+                <a:extLst>
+                  <a:ext uri="{0D108BD9-81ED-4DB2-BD59-A6C34878D82A}">
+                    <a16:rowId xmlns:a16="http://schemas.microsoft.com/office/drawing/2014/main" val="4263612828"/>
+                  </a:ext>
+                </a:extLst>
+              </a:tr>
+              <a:tr h="370840">
+                <a:tc>
+                  <a:txBody>
+                    <a:bodyPr/>
+                    <a:lstStyle/>
+                    <a:p>
+                      <a:r>
+                        <a:rPr lang="en-US" dirty="0"/>
+                        <a:t>short</a:t>
+                      </a:r>
+                    </a:p>
+                  </a:txBody>
+                  <a:tcPr/>
+                </a:tc>
+                <a:tc>
+                  <a:txBody>
+                    <a:bodyPr/>
+                    <a:lstStyle/>
+                    <a:p>
+                      <a:r>
+                        <a:rPr lang="en-US" dirty="0"/>
+                        <a:t>Possible values: [-32,768 thru 32,767]</a:t>
+                      </a:r>
+                    </a:p>
+                  </a:txBody>
+                  <a:tcPr/>
+                </a:tc>
+                <a:extLst>
+                  <a:ext uri="{0D108BD9-81ED-4DB2-BD59-A6C34878D82A}">
+                    <a16:rowId xmlns:a16="http://schemas.microsoft.com/office/drawing/2014/main" val="1322342539"/>
+                  </a:ext>
+                </a:extLst>
+              </a:tr>
+              <a:tr h="370840">
+                <a:tc>
+                  <a:txBody>
+                    <a:bodyPr/>
+                    <a:lstStyle/>
+                    <a:p>
+                      <a:r>
+                        <a:rPr lang="en-US" dirty="0"/>
+                        <a:t>char</a:t>
+                      </a:r>
+                    </a:p>
+                  </a:txBody>
+                  <a:tcPr/>
+                </a:tc>
+                <a:tc>
+                  <a:txBody>
+                    <a:bodyPr/>
+                    <a:lstStyle/>
+                    <a:p>
+                      <a:r>
+                        <a:rPr lang="en-US" dirty="0"/>
+                        <a:t>Make sure you use single quotes! </a:t>
+                      </a:r>
+                    </a:p>
+                    <a:p>
+                      <a:r>
+                        <a:rPr lang="en-US" dirty="0"/>
+                        <a:t>(char letter = ‘A’;)</a:t>
+                      </a:r>
+                    </a:p>
+                  </a:txBody>
+                  <a:tcPr/>
+                </a:tc>
+                <a:extLst>
+                  <a:ext uri="{0D108BD9-81ED-4DB2-BD59-A6C34878D82A}">
+                    <a16:rowId xmlns:a16="http://schemas.microsoft.com/office/drawing/2014/main" val="3603178950"/>
+                  </a:ext>
+                </a:extLst>
+              </a:tr>
+              <a:tr h="370840">
+                <a:tc>
+                  <a:txBody>
+                    <a:bodyPr/>
+                    <a:lstStyle/>
+                    <a:p>
+                      <a:r>
+                        <a:rPr lang="en-US" dirty="0"/>
+                        <a:t>int</a:t>
+                      </a:r>
+                    </a:p>
+                  </a:txBody>
+                  <a:tcPr/>
+                </a:tc>
+                <a:tc>
+                  <a:txBody>
+                    <a:bodyPr/>
+                    <a:lstStyle/>
+                    <a:p>
+                      <a:r>
+                        <a:rPr lang="en-US" dirty="0"/>
+                        <a:t>Possible values: -2,147,483,648 thru 2,147,483,647</a:t>
+                      </a:r>
+                    </a:p>
+                  </a:txBody>
+                  <a:tcPr/>
+                </a:tc>
+                <a:extLst>
+                  <a:ext uri="{0D108BD9-81ED-4DB2-BD59-A6C34878D82A}">
+                    <a16:rowId xmlns:a16="http://schemas.microsoft.com/office/drawing/2014/main" val="4220516525"/>
+                  </a:ext>
+                </a:extLst>
+              </a:tr>
+              <a:tr h="370840">
+                <a:tc>
+                  <a:txBody>
+                    <a:bodyPr/>
+                    <a:lstStyle/>
+                    <a:p>
+                      <a:r>
+                        <a:rPr lang="en-US" dirty="0"/>
+                        <a:t>long</a:t>
+                      </a:r>
+                    </a:p>
+                  </a:txBody>
+                  <a:tcPr/>
+                </a:tc>
+                <a:tc>
+                  <a:txBody>
+                    <a:bodyPr/>
+                    <a:lstStyle/>
+                    <a:p>
+                      <a:r>
+                        <a:rPr lang="en-US" dirty="0"/>
+                        <a:t>Possible values: [(-2^63) thru (2^63)-1]</a:t>
+                      </a:r>
+                    </a:p>
+                    <a:p>
+                      <a:r>
+                        <a:rPr lang="en-US" dirty="0"/>
+                        <a:t>Add an l when defining! (long num = 3000000l;)</a:t>
+                      </a:r>
+                    </a:p>
+                  </a:txBody>
+                  <a:tcPr/>
+                </a:tc>
+                <a:extLst>
+                  <a:ext uri="{0D108BD9-81ED-4DB2-BD59-A6C34878D82A}">
+                    <a16:rowId xmlns:a16="http://schemas.microsoft.com/office/drawing/2014/main" val="3537022861"/>
+                  </a:ext>
+                </a:extLst>
+              </a:tr>
+              <a:tr h="370840">
+                <a:tc>
+                  <a:txBody>
+                    <a:bodyPr/>
+                    <a:lstStyle/>
+                    <a:p>
+                      <a:r>
+                        <a:rPr lang="en-US" dirty="0"/>
+                        <a:t>float</a:t>
+                      </a:r>
+                    </a:p>
+                  </a:txBody>
+                  <a:tcPr/>
+                </a:tc>
+                <a:tc>
+                  <a:txBody>
+                    <a:bodyPr/>
+                    <a:lstStyle/>
+                    <a:p>
+                      <a:r>
+                        <a:rPr lang="en-US" dirty="0"/>
+                        <a:t>Add an f when defining! (float num = 2.50f;)</a:t>
+                      </a:r>
+                    </a:p>
+                  </a:txBody>
+                  <a:tcPr/>
+                </a:tc>
+                <a:extLst>
+                  <a:ext uri="{0D108BD9-81ED-4DB2-BD59-A6C34878D82A}">
+                    <a16:rowId xmlns:a16="http://schemas.microsoft.com/office/drawing/2014/main" val="1679241697"/>
+                  </a:ext>
+                </a:extLst>
+              </a:tr>
+              <a:tr h="370840">
+                <a:tc>
+                  <a:txBody>
+                    <a:bodyPr/>
+                    <a:lstStyle/>
+                    <a:p>
+                      <a:r>
+                        <a:rPr lang="en-US" dirty="0"/>
+                        <a:t>double</a:t>
+                      </a:r>
+                    </a:p>
+                  </a:txBody>
+                  <a:tcPr/>
+                </a:tc>
+                <a:tc>
+                  <a:txBody>
+                    <a:bodyPr/>
+                    <a:lstStyle/>
+                    <a:p>
+                      <a:r>
+                        <a:rPr lang="en-US" dirty="0"/>
+                        <a:t>Ultra precise decimals!</a:t>
+                      </a:r>
+                    </a:p>
+                  </a:txBody>
+                  <a:tcPr/>
+                </a:tc>
+                <a:extLst>
+                  <a:ext uri="{0D108BD9-81ED-4DB2-BD59-A6C34878D82A}">
+                    <a16:rowId xmlns:a16="http://schemas.microsoft.com/office/drawing/2014/main" val="3199215143"/>
+                  </a:ext>
+                </a:extLst>
+              </a:tr>
+            </a:tbl>
+          </a:graphicData>
+        </a:graphic>
+      </p:graphicFrame>
+    </p:spTree>
+    <p:extLst>
+      <p:ext uri="{BB962C8B-B14F-4D97-AF65-F5344CB8AC3E}">
+        <p14:creationId xmlns:p14="http://schemas.microsoft.com/office/powerpoint/2010/main" val="2855878816"/>
+      </p:ext>
+    </p:extLst>
+  </p:cSld>
+  <p:clrMapOvr>
+    <a:masterClrMapping/>
+  </p:clrMapOvr>
+</p:sld>
+</file>
+
+<file path=ppt/slides/slide6.xml><?xml version="1.0" encoding="utf-8"?>
+<p:sld xmlns:a="http://schemas.openxmlformats.org/drawingml/2006/main" xmlns:r="http://schemas.openxmlformats.org/officeDocument/2006/relationships" xmlns:p="http://schemas.openxmlformats.org/presentationml/2006/main">
+  <p:cSld>
+    <p:spTree>
+      <p:nvGrpSpPr>
+        <p:cNvPr id="1" name=""/>
+        <p:cNvGrpSpPr/>
+        <p:nvPr/>
+      </p:nvGrpSpPr>
+      <p:grpSpPr>
+        <a:xfrm>
+          <a:off x="0" y="0"/>
+          <a:ext cx="0" cy="0"/>
+          <a:chOff x="0" y="0"/>
+          <a:chExt cx="0" cy="0"/>
+        </a:xfrm>
+      </p:grpSpPr>
+      <p:sp>
+        <p:nvSpPr>
+          <p:cNvPr id="2" name="Title 1">
+            <a:extLst>
+              <a:ext uri="{FF2B5EF4-FFF2-40B4-BE49-F238E27FC236}">
+                <a16:creationId xmlns:a16="http://schemas.microsoft.com/office/drawing/2014/main" id="{413CDFB1-9334-4675-8ACE-8512A5022CC8}"/>
+              </a:ext>
+            </a:extLst>
+          </p:cNvPr>
+          <p:cNvSpPr>
+            <a:spLocks noGrp="1"/>
+          </p:cNvSpPr>
+          <p:nvPr>
+            <p:ph type="title"/>
+          </p:nvPr>
+        </p:nvSpPr>
+        <p:spPr/>
+        <p:txBody>
+          <a:bodyPr/>
+          <a:lstStyle/>
+          <a:p>
+            <a:r>
+              <a:rPr lang="en-US" dirty="0"/>
+              <a:t>If structures</a:t>
+            </a:r>
+          </a:p>
+        </p:txBody>
+      </p:sp>
+      <p:sp>
+        <p:nvSpPr>
+          <p:cNvPr id="3" name="Content Placeholder 2">
+            <a:extLst>
+              <a:ext uri="{FF2B5EF4-FFF2-40B4-BE49-F238E27FC236}">
+                <a16:creationId xmlns:a16="http://schemas.microsoft.com/office/drawing/2014/main" id="{CC05C9FA-E597-4369-9DC4-B6FE71DB027C}"/>
+              </a:ext>
+            </a:extLst>
+          </p:cNvPr>
+          <p:cNvSpPr>
+            <a:spLocks noGrp="1"/>
+          </p:cNvSpPr>
+          <p:nvPr>
+            <p:ph idx="1"/>
+          </p:nvPr>
+        </p:nvSpPr>
+        <p:spPr>
+          <a:xfrm>
+            <a:off x="1141413" y="1939771"/>
+            <a:ext cx="9905999" cy="1236139"/>
+          </a:xfrm>
+        </p:spPr>
+        <p:txBody>
+          <a:bodyPr/>
+          <a:lstStyle/>
+          <a:p>
+            <a:r>
+              <a:rPr lang="en-US" dirty="0"/>
+              <a:t>Simpler than you might think…</a:t>
+            </a:r>
+          </a:p>
+          <a:p>
+            <a:r>
+              <a:rPr lang="en-US" dirty="0"/>
+              <a:t>If this is true, do this. Otherwise, do that. </a:t>
+            </a:r>
+          </a:p>
+          <a:p>
+            <a:endParaRPr lang="en-US" dirty="0"/>
+          </a:p>
+        </p:txBody>
+      </p:sp>
+      <p:pic>
+        <p:nvPicPr>
+          <p:cNvPr id="5" name="Picture 4">
+            <a:extLst>
+              <a:ext uri="{FF2B5EF4-FFF2-40B4-BE49-F238E27FC236}">
+                <a16:creationId xmlns:a16="http://schemas.microsoft.com/office/drawing/2014/main" id="{FAAA40DC-B4D6-4CAD-A76E-5870BEB21389}"/>
+              </a:ext>
+            </a:extLst>
+          </p:cNvPr>
+          <p:cNvPicPr>
+            <a:picLocks noChangeAspect="1"/>
+          </p:cNvPicPr>
+          <p:nvPr/>
+        </p:nvPicPr>
+        <p:blipFill>
+          <a:blip r:embed="rId2"/>
+          <a:stretch>
+            <a:fillRect/>
+          </a:stretch>
+        </p:blipFill>
+        <p:spPr>
+          <a:xfrm>
+            <a:off x="3301828" y="3175910"/>
+            <a:ext cx="5585167" cy="2812849"/>
+          </a:xfrm>
+          <a:prstGeom prst="rect">
+            <a:avLst/>
+          </a:prstGeom>
+        </p:spPr>
+      </p:pic>
+    </p:spTree>
+    <p:extLst>
+      <p:ext uri="{BB962C8B-B14F-4D97-AF65-F5344CB8AC3E}">
+        <p14:creationId xmlns:p14="http://schemas.microsoft.com/office/powerpoint/2010/main" val="1927231411"/>
+      </p:ext>
+    </p:extLst>
+  </p:cSld>
+  <p:clrMapOvr>
+    <a:masterClrMapping/>
+  </p:clrMapOvr>
+</p:sld>
+</file>
+
+<file path=ppt/slides/slide7.xml><?xml version="1.0" encoding="utf-8"?>
+<p:sld xmlns:a="http://schemas.openxmlformats.org/drawingml/2006/main" xmlns:r="http://schemas.openxmlformats.org/officeDocument/2006/relationships" xmlns:p="http://schemas.openxmlformats.org/presentationml/2006/main">
+  <p:cSld>
+    <p:spTree>
+      <p:nvGrpSpPr>
+        <p:cNvPr id="1" name=""/>
+        <p:cNvGrpSpPr/>
+        <p:nvPr/>
+      </p:nvGrpSpPr>
+      <p:grpSpPr>
+        <a:xfrm>
+          <a:off x="0" y="0"/>
+          <a:ext cx="0" cy="0"/>
+          <a:chOff x="0" y="0"/>
+          <a:chExt cx="0" cy="0"/>
+        </a:xfrm>
+      </p:grpSpPr>
+      <p:sp>
+        <p:nvSpPr>
+          <p:cNvPr id="2" name="Title 1">
+            <a:extLst>
+              <a:ext uri="{FF2B5EF4-FFF2-40B4-BE49-F238E27FC236}">
+                <a16:creationId xmlns:a16="http://schemas.microsoft.com/office/drawing/2014/main" id="{7182A1E2-A793-4F8D-B1FA-6B858FE1A4B4}"/>
+              </a:ext>
+            </a:extLst>
+          </p:cNvPr>
+          <p:cNvSpPr>
+            <a:spLocks noGrp="1"/>
+          </p:cNvSpPr>
+          <p:nvPr>
+            <p:ph type="title"/>
+          </p:nvPr>
+        </p:nvSpPr>
+        <p:spPr/>
+        <p:txBody>
+          <a:bodyPr/>
+          <a:lstStyle/>
+          <a:p>
+            <a:r>
+              <a:rPr lang="en-US" dirty="0"/>
+              <a:t>Extended if statements</a:t>
+            </a:r>
+          </a:p>
+        </p:txBody>
+      </p:sp>
+      <p:pic>
+        <p:nvPicPr>
+          <p:cNvPr id="5" name="Content Placeholder 4">
+            <a:extLst>
+              <a:ext uri="{FF2B5EF4-FFF2-40B4-BE49-F238E27FC236}">
+                <a16:creationId xmlns:a16="http://schemas.microsoft.com/office/drawing/2014/main" id="{7C055E26-84EC-4F83-B935-35F6B55A7BB3}"/>
+              </a:ext>
+            </a:extLst>
+          </p:cNvPr>
+          <p:cNvPicPr>
+            <a:picLocks noGrp="1" noChangeAspect="1"/>
+          </p:cNvPicPr>
+          <p:nvPr>
+            <p:ph idx="1"/>
+          </p:nvPr>
+        </p:nvPicPr>
+        <p:blipFill>
+          <a:blip r:embed="rId2"/>
+          <a:stretch>
+            <a:fillRect/>
+          </a:stretch>
+        </p:blipFill>
+        <p:spPr>
+          <a:xfrm>
+            <a:off x="4111413" y="1721721"/>
+            <a:ext cx="3965998" cy="4827855"/>
+          </a:xfrm>
+        </p:spPr>
+      </p:pic>
+    </p:spTree>
+    <p:extLst>
+      <p:ext uri="{BB962C8B-B14F-4D97-AF65-F5344CB8AC3E}">
+        <p14:creationId xmlns:p14="http://schemas.microsoft.com/office/powerpoint/2010/main" val="4179770307"/>
+      </p:ext>
+    </p:extLst>
+  </p:cSld>
+  <p:clrMapOvr>
+    <a:masterClrMapping/>
+  </p:clrMapOvr>
+</p:sld>
+</file>
+
+<file path=ppt/slides/slide8.xml><?xml version="1.0" encoding="utf-8"?>
+<p:sld xmlns:a="http://schemas.openxmlformats.org/drawingml/2006/main" xmlns:r="http://schemas.openxmlformats.org/officeDocument/2006/relationships" xmlns:p="http://schemas.openxmlformats.org/presentationml/2006/main">
+  <p:cSld>
+    <p:spTree>
+      <p:nvGrpSpPr>
+        <p:cNvPr id="1" name=""/>
+        <p:cNvGrpSpPr/>
+        <p:nvPr/>
+      </p:nvGrpSpPr>
+      <p:grpSpPr>
+        <a:xfrm>
+          <a:off x="0" y="0"/>
+          <a:ext cx="0" cy="0"/>
+          <a:chOff x="0" y="0"/>
+          <a:chExt cx="0" cy="0"/>
+        </a:xfrm>
+      </p:grpSpPr>
+      <p:sp>
+        <p:nvSpPr>
+          <p:cNvPr id="2" name="Title 1">
+            <a:extLst>
+              <a:ext uri="{FF2B5EF4-FFF2-40B4-BE49-F238E27FC236}">
+                <a16:creationId xmlns:a16="http://schemas.microsoft.com/office/drawing/2014/main" id="{8C35DD98-6078-41DD-AB77-094572A26AE7}"/>
+              </a:ext>
+            </a:extLst>
+          </p:cNvPr>
+          <p:cNvSpPr>
+            <a:spLocks noGrp="1"/>
+          </p:cNvSpPr>
+          <p:nvPr>
+            <p:ph type="title"/>
+          </p:nvPr>
+        </p:nvSpPr>
+        <p:spPr/>
+        <p:txBody>
+          <a:bodyPr/>
+          <a:lstStyle/>
+          <a:p>
+            <a:r>
+              <a:rPr lang="en-US" dirty="0"/>
+              <a:t>What goes in an if statement?</a:t>
+            </a:r>
+          </a:p>
+        </p:txBody>
+      </p:sp>
+      <p:graphicFrame>
+        <p:nvGraphicFramePr>
+          <p:cNvPr id="4" name="Table 4">
+            <a:extLst>
+              <a:ext uri="{FF2B5EF4-FFF2-40B4-BE49-F238E27FC236}">
+                <a16:creationId xmlns:a16="http://schemas.microsoft.com/office/drawing/2014/main" id="{6FC157AA-A98A-4D61-B094-35A06D9A5AE0}"/>
+              </a:ext>
+            </a:extLst>
+          </p:cNvPr>
+          <p:cNvGraphicFramePr>
+            <a:graphicFrameLocks noGrp="1"/>
+          </p:cNvGraphicFramePr>
+          <p:nvPr/>
+        </p:nvGraphicFramePr>
+        <p:xfrm>
+          <a:off x="2030412" y="2165033"/>
+          <a:ext cx="8128000" cy="3606800"/>
+        </p:xfrm>
+        <a:graphic>
+          <a:graphicData uri="http://schemas.openxmlformats.org/drawingml/2006/table">
+            <a:tbl>
+              <a:tblPr firstRow="1" bandRow="1">
+                <a:tableStyleId>{7DF18680-E054-41AD-8BC1-D1AEF772440D}</a:tableStyleId>
+              </a:tblPr>
+              <a:tblGrid>
+                <a:gridCol w="4064000">
+                  <a:extLst>
+                    <a:ext uri="{9D8B030D-6E8A-4147-A177-3AD203B41FA5}">
+                      <a16:colId xmlns:a16="http://schemas.microsoft.com/office/drawing/2014/main" val="2684311352"/>
+                    </a:ext>
+                  </a:extLst>
+                </a:gridCol>
+                <a:gridCol w="4064000">
+                  <a:extLst>
+                    <a:ext uri="{9D8B030D-6E8A-4147-A177-3AD203B41FA5}">
+                      <a16:colId xmlns:a16="http://schemas.microsoft.com/office/drawing/2014/main" val="605187459"/>
+                    </a:ext>
+                  </a:extLst>
+                </a:gridCol>
+              </a:tblGrid>
+              <a:tr h="370840">
+                <a:tc>
+                  <a:txBody>
+                    <a:bodyPr/>
+                    <a:lstStyle/>
+                    <a:p>
+                      <a:pPr algn="ctr"/>
+                      <a:r>
+                        <a:rPr lang="en-US" dirty="0"/>
+                        <a:t>Condition</a:t>
+                      </a:r>
+                    </a:p>
+                  </a:txBody>
+                  <a:tcPr/>
+                </a:tc>
+                <a:tc>
+                  <a:txBody>
+                    <a:bodyPr/>
+                    <a:lstStyle/>
+                    <a:p>
+                      <a:pPr algn="ctr"/>
+                      <a:r>
+                        <a:rPr lang="en-US" dirty="0"/>
+                        <a:t>Meaning</a:t>
+                      </a:r>
+                    </a:p>
+                  </a:txBody>
+                  <a:tcPr/>
+                </a:tc>
+                <a:extLst>
+                  <a:ext uri="{0D108BD9-81ED-4DB2-BD59-A6C34878D82A}">
+                    <a16:rowId xmlns:a16="http://schemas.microsoft.com/office/drawing/2014/main" val="1316153930"/>
+                  </a:ext>
+                </a:extLst>
+              </a:tr>
+              <a:tr h="370840">
+                <a:tc>
+                  <a:txBody>
+                    <a:bodyPr/>
+                    <a:lstStyle/>
+                    <a:p>
+                      <a:pPr algn="ctr"/>
+                      <a:r>
+                        <a:rPr lang="en-US" dirty="0"/>
+                        <a:t>a == b</a:t>
+                      </a:r>
+                    </a:p>
+                  </a:txBody>
+                  <a:tcPr/>
+                </a:tc>
+                <a:tc>
+                  <a:txBody>
+                    <a:bodyPr/>
+                    <a:lstStyle/>
+                    <a:p>
+                      <a:pPr algn="ctr"/>
+                      <a:r>
+                        <a:rPr lang="en-US" dirty="0"/>
+                        <a:t>Equal to</a:t>
+                      </a:r>
+                    </a:p>
+                  </a:txBody>
+                  <a:tcPr/>
+                </a:tc>
+                <a:extLst>
+                  <a:ext uri="{0D108BD9-81ED-4DB2-BD59-A6C34878D82A}">
+                    <a16:rowId xmlns:a16="http://schemas.microsoft.com/office/drawing/2014/main" val="3644013280"/>
+                  </a:ext>
+                </a:extLst>
+              </a:tr>
+              <a:tr h="370840">
+                <a:tc>
+                  <a:txBody>
+                    <a:bodyPr/>
+                    <a:lstStyle/>
+                    <a:p>
+                      <a:pPr algn="ctr"/>
+                      <a:r>
+                        <a:rPr lang="en-US" dirty="0"/>
+                        <a:t>a &gt; b</a:t>
+                      </a:r>
+                    </a:p>
+                  </a:txBody>
+                  <a:tcPr/>
+                </a:tc>
+                <a:tc>
+                  <a:txBody>
+                    <a:bodyPr/>
+                    <a:lstStyle/>
+                    <a:p>
+                      <a:pPr algn="ctr"/>
+                      <a:r>
+                        <a:rPr lang="en-US" dirty="0"/>
+                        <a:t>Greater than</a:t>
+                      </a:r>
+                    </a:p>
+                  </a:txBody>
+                  <a:tcPr/>
+                </a:tc>
+                <a:extLst>
+                  <a:ext uri="{0D108BD9-81ED-4DB2-BD59-A6C34878D82A}">
+                    <a16:rowId xmlns:a16="http://schemas.microsoft.com/office/drawing/2014/main" val="3216647746"/>
+                  </a:ext>
+                </a:extLst>
+              </a:tr>
+              <a:tr h="370840">
+                <a:tc>
+                  <a:txBody>
+                    <a:bodyPr/>
+                    <a:lstStyle/>
+                    <a:p>
+                      <a:pPr algn="ctr"/>
+                      <a:r>
+                        <a:rPr lang="en-US" dirty="0"/>
+                        <a:t>a &lt; b</a:t>
+                      </a:r>
+                    </a:p>
+                  </a:txBody>
+                  <a:tcPr/>
+                </a:tc>
+                <a:tc>
+                  <a:txBody>
+                    <a:bodyPr/>
+                    <a:lstStyle/>
+                    <a:p>
+                      <a:pPr algn="ctr"/>
+                      <a:r>
+                        <a:rPr lang="en-US" dirty="0"/>
+                        <a:t>Less than</a:t>
+                      </a:r>
+                    </a:p>
+                  </a:txBody>
+                  <a:tcPr/>
+                </a:tc>
+                <a:extLst>
+                  <a:ext uri="{0D108BD9-81ED-4DB2-BD59-A6C34878D82A}">
+                    <a16:rowId xmlns:a16="http://schemas.microsoft.com/office/drawing/2014/main" val="659605147"/>
+                  </a:ext>
+                </a:extLst>
+              </a:tr>
+              <a:tr h="370840">
+                <a:tc>
+                  <a:txBody>
+                    <a:bodyPr/>
+                    <a:lstStyle/>
+                    <a:p>
+                      <a:pPr algn="ctr"/>
+                      <a:r>
+                        <a:rPr lang="en-US" dirty="0"/>
+                        <a:t>a &gt;= b</a:t>
+                      </a:r>
+                    </a:p>
+                  </a:txBody>
+                  <a:tcPr/>
+                </a:tc>
+                <a:tc>
+                  <a:txBody>
+                    <a:bodyPr/>
+                    <a:lstStyle/>
+                    <a:p>
+                      <a:pPr algn="ctr"/>
+                      <a:r>
+                        <a:rPr lang="en-US" dirty="0"/>
+                        <a:t>Greater than or equal to</a:t>
+                      </a:r>
+                    </a:p>
+                  </a:txBody>
+                  <a:tcPr/>
+                </a:tc>
+                <a:extLst>
+                  <a:ext uri="{0D108BD9-81ED-4DB2-BD59-A6C34878D82A}">
+                    <a16:rowId xmlns:a16="http://schemas.microsoft.com/office/drawing/2014/main" val="525909044"/>
+                  </a:ext>
+                </a:extLst>
+              </a:tr>
+              <a:tr h="370840">
+                <a:tc>
+                  <a:txBody>
+                    <a:bodyPr/>
+                    <a:lstStyle/>
+                    <a:p>
+                      <a:pPr algn="ctr"/>
+                      <a:r>
+                        <a:rPr lang="en-US" dirty="0"/>
+                        <a:t>a &lt;= b</a:t>
+                      </a:r>
+                    </a:p>
+                  </a:txBody>
+                  <a:tcPr/>
+                </a:tc>
+                <a:tc>
+                  <a:txBody>
+                    <a:bodyPr/>
+                    <a:lstStyle/>
+                    <a:p>
+                      <a:pPr algn="ctr"/>
+                      <a:r>
+                        <a:rPr lang="en-US" dirty="0"/>
+                        <a:t>Less than or equal to</a:t>
+                      </a:r>
+                    </a:p>
+                  </a:txBody>
+                  <a:tcPr/>
+                </a:tc>
+                <a:extLst>
+                  <a:ext uri="{0D108BD9-81ED-4DB2-BD59-A6C34878D82A}">
+                    <a16:rowId xmlns:a16="http://schemas.microsoft.com/office/drawing/2014/main" val="684010960"/>
+                  </a:ext>
+                </a:extLst>
+              </a:tr>
+              <a:tr h="370840">
+                <a:tc>
+                  <a:txBody>
+                    <a:bodyPr/>
+                    <a:lstStyle/>
+                    <a:p>
+                      <a:pPr algn="ctr"/>
+                      <a:r>
+                        <a:rPr lang="en-US" dirty="0"/>
+                        <a:t>a != b</a:t>
+                      </a:r>
+                    </a:p>
+                  </a:txBody>
+                  <a:tcPr/>
+                </a:tc>
+                <a:tc>
+                  <a:txBody>
+                    <a:bodyPr/>
+                    <a:lstStyle/>
+                    <a:p>
+                      <a:pPr algn="ctr"/>
+                      <a:r>
+                        <a:rPr lang="en-US" dirty="0"/>
+                        <a:t>Not equal to</a:t>
+                      </a:r>
+                    </a:p>
+                  </a:txBody>
+                  <a:tcPr/>
+                </a:tc>
+                <a:extLst>
+                  <a:ext uri="{0D108BD9-81ED-4DB2-BD59-A6C34878D82A}">
+                    <a16:rowId xmlns:a16="http://schemas.microsoft.com/office/drawing/2014/main" val="2164990103"/>
+                  </a:ext>
+                </a:extLst>
+              </a:tr>
+              <a:tr h="370840">
+                <a:tc>
+                  <a:txBody>
+                    <a:bodyPr/>
+                    <a:lstStyle/>
+                    <a:p>
+                      <a:pPr algn="ctr"/>
+                      <a:r>
+                        <a:rPr lang="en-US" dirty="0"/>
+                        <a:t>str1.equals(str2) </a:t>
+                      </a:r>
+                    </a:p>
+                  </a:txBody>
+                  <a:tcPr/>
+                </a:tc>
+                <a:tc>
+                  <a:txBody>
+                    <a:bodyPr/>
+                    <a:lstStyle/>
+                    <a:p>
+                      <a:pPr algn="ctr"/>
+                      <a:r>
+                        <a:rPr lang="en-US" dirty="0"/>
+                        <a:t>Seeing if strings are equal</a:t>
+                      </a:r>
+                    </a:p>
+                  </a:txBody>
+                  <a:tcPr/>
+                </a:tc>
+                <a:extLst>
+                  <a:ext uri="{0D108BD9-81ED-4DB2-BD59-A6C34878D82A}">
+                    <a16:rowId xmlns:a16="http://schemas.microsoft.com/office/drawing/2014/main" val="2055553715"/>
+                  </a:ext>
+                </a:extLst>
+              </a:tr>
+              <a:tr h="370840">
+                <a:tc>
+                  <a:txBody>
+                    <a:bodyPr/>
+                    <a:lstStyle/>
+                    <a:p>
+                      <a:pPr algn="ctr"/>
+                      <a:r>
+                        <a:rPr lang="en-US" dirty="0"/>
+                        <a:t>str1.equalsIgnoreCase(str2)</a:t>
+                      </a:r>
+                    </a:p>
+                  </a:txBody>
+                  <a:tcPr/>
+                </a:tc>
+                <a:tc>
+                  <a:txBody>
+                    <a:bodyPr/>
+                    <a:lstStyle/>
+                    <a:p>
+                      <a:pPr algn="ctr"/>
+                      <a:r>
+                        <a:rPr lang="en-US" dirty="0"/>
+                        <a:t>Seeing if strings are equal while ignoring case sensitivity</a:t>
+                      </a:r>
+                    </a:p>
+                  </a:txBody>
+                  <a:tcPr/>
+                </a:tc>
+                <a:extLst>
+                  <a:ext uri="{0D108BD9-81ED-4DB2-BD59-A6C34878D82A}">
+                    <a16:rowId xmlns:a16="http://schemas.microsoft.com/office/drawing/2014/main" val="2207066506"/>
+                  </a:ext>
+                </a:extLst>
+              </a:tr>
+            </a:tbl>
+          </a:graphicData>
+        </a:graphic>
+      </p:graphicFrame>
+    </p:spTree>
+    <p:extLst>
+      <p:ext uri="{BB962C8B-B14F-4D97-AF65-F5344CB8AC3E}">
+        <p14:creationId xmlns:p14="http://schemas.microsoft.com/office/powerpoint/2010/main" val="1998778571"/>
+      </p:ext>
+    </p:extLst>
+  </p:cSld>
+  <p:clrMapOvr>
+    <a:masterClrMapping/>
+  </p:clrMapOvr>
+</p:sld>
+</file>
+
+<file path=ppt/slides/slide9.xml><?xml version="1.0" encoding="utf-8"?>
+<p:sld xmlns:a="http://schemas.openxmlformats.org/drawingml/2006/main" xmlns:r="http://schemas.openxmlformats.org/officeDocument/2006/relationships" xmlns:p="http://schemas.openxmlformats.org/presentationml/2006/main">
+  <p:cSld>
+    <p:spTree>
+      <p:nvGrpSpPr>
+        <p:cNvPr id="1" name=""/>
+        <p:cNvGrpSpPr/>
+        <p:nvPr/>
+      </p:nvGrpSpPr>
+      <p:grpSpPr>
+        <a:xfrm>
+          <a:off x="0" y="0"/>
+          <a:ext cx="0" cy="0"/>
+          <a:chOff x="0" y="0"/>
+          <a:chExt cx="0" cy="0"/>
+        </a:xfrm>
+      </p:grpSpPr>
+      <p:sp>
+        <p:nvSpPr>
+          <p:cNvPr id="2" name="Title 1">
+            <a:extLst>
+              <a:ext uri="{FF2B5EF4-FFF2-40B4-BE49-F238E27FC236}">
+                <a16:creationId xmlns:a16="http://schemas.microsoft.com/office/drawing/2014/main" id="{6BEA8A36-BA07-4501-B61D-3E47C0903A93}"/>
+              </a:ext>
+            </a:extLst>
+          </p:cNvPr>
+          <p:cNvSpPr>
+            <a:spLocks noGrp="1"/>
+          </p:cNvSpPr>
+          <p:nvPr>
+            <p:ph type="title"/>
+          </p:nvPr>
+        </p:nvSpPr>
+        <p:spPr/>
+        <p:txBody>
+          <a:bodyPr/>
+          <a:lstStyle/>
+          <a:p>
+            <a:r>
+              <a:rPr lang="en-US" dirty="0"/>
+              <a:t>What goes in an if statement?</a:t>
+            </a:r>
+          </a:p>
+        </p:txBody>
+      </p:sp>
+      <p:pic>
+        <p:nvPicPr>
+          <p:cNvPr id="5" name="Picture 4">
+            <a:extLst>
+              <a:ext uri="{FF2B5EF4-FFF2-40B4-BE49-F238E27FC236}">
+                <a16:creationId xmlns:a16="http://schemas.microsoft.com/office/drawing/2014/main" id="{426E565A-AF21-4450-9912-7C4B47394AA1}"/>
+              </a:ext>
+            </a:extLst>
+          </p:cNvPr>
+          <p:cNvPicPr>
+            <a:picLocks noChangeAspect="1"/>
+          </p:cNvPicPr>
+          <p:nvPr/>
+        </p:nvPicPr>
+        <p:blipFill>
+          <a:blip r:embed="rId2"/>
+          <a:stretch>
+            <a:fillRect/>
+          </a:stretch>
+        </p:blipFill>
+        <p:spPr>
+          <a:xfrm>
+            <a:off x="3338796" y="1895891"/>
+            <a:ext cx="5514408" cy="4541278"/>
+          </a:xfrm>
+          <a:prstGeom prst="rect">
+            <a:avLst/>
+          </a:prstGeom>
+        </p:spPr>
+      </p:pic>
+    </p:spTree>
+    <p:extLst>
+      <p:ext uri="{BB962C8B-B14F-4D97-AF65-F5344CB8AC3E}">
+        <p14:creationId xmlns:p14="http://schemas.microsoft.com/office/powerpoint/2010/main" val="2882241213"/>
+      </p:ext>
+    </p:extLst>
+  </p:cSld>
+  <p:clrMapOvr>
+    <a:masterClrMapping/>
+  </p:clrMapOvr>
+</p:sld>
+</file>
+
 <file path=ppt/theme/theme1.xml><?xml version="1.0" encoding="utf-8"?>
 <a:theme xmlns:a="http://schemas.openxmlformats.org/drawingml/2006/main" name="Ion">
   <a:themeElements>

--- a/Slides/0923Recitation.pptx
+++ b/Slides/0923Recitation.pptx
@@ -7702,15 +7702,24 @@
               <a:rPr lang="en-US" dirty="0">
                 <a:hlinkClick r:id="rId2"/>
               </a:rPr>
-              <a:t>https://discord.gg/23weGMFk</a:t>
-            </a:r>
-            <a:endParaRPr lang="en-US" dirty="0"/>
-          </a:p>
-          <a:p>
-            <a:pPr lvl="1"/>
+              <a:t>https://discord.gg</a:t>
+            </a:r>
+            <a:r>
+              <a:rPr lang="en-US">
+                <a:hlinkClick r:id="rId2"/>
+              </a:rPr>
+              <a:t>/tU2Uh5SV</a:t>
+            </a:r>
+            <a:endParaRPr lang="en-US"/>
+          </a:p>
+          <a:p>
+            <a:r>
+              <a:rPr lang="en-US"/>
+              <a:t>Joining </a:t>
+            </a:r>
             <a:r>
               <a:rPr lang="en-US" dirty="0"/>
-              <a:t>Joining is optional, but it’ll be a good point of contact with us and your peers.</a:t>
+              <a:t>is optional, but it’ll be a good point of contact with us and your peers.</a:t>
             </a:r>
           </a:p>
         </p:txBody>

--- a/Slides/0923Recitation.pptx
+++ b/Slides/0923Recitation.pptx
@@ -475,6 +475,216 @@
     </a:lvl9pPr>
   </p:notesStyle>
 </p:notesMaster>
+</file>
+
+<file path=ppt/notesSlides/notesSlide1.xml><?xml version="1.0" encoding="utf-8"?>
+<p:notes xmlns:a="http://schemas.openxmlformats.org/drawingml/2006/main" xmlns:r="http://schemas.openxmlformats.org/officeDocument/2006/relationships" xmlns:p="http://schemas.openxmlformats.org/presentationml/2006/main">
+  <p:cSld>
+    <p:spTree>
+      <p:nvGrpSpPr>
+        <p:cNvPr id="1" name=""/>
+        <p:cNvGrpSpPr/>
+        <p:nvPr/>
+      </p:nvGrpSpPr>
+      <p:grpSpPr>
+        <a:xfrm>
+          <a:off x="0" y="0"/>
+          <a:ext cx="0" cy="0"/>
+          <a:chOff x="0" y="0"/>
+          <a:chExt cx="0" cy="0"/>
+        </a:xfrm>
+      </p:grpSpPr>
+      <p:sp>
+        <p:nvSpPr>
+          <p:cNvPr id="2" name="Slide Image Placeholder 1"/>
+          <p:cNvSpPr>
+            <a:spLocks noGrp="1" noRot="1" noChangeAspect="1"/>
+          </p:cNvSpPr>
+          <p:nvPr>
+            <p:ph type="sldImg"/>
+          </p:nvPr>
+        </p:nvSpPr>
+        <p:spPr/>
+      </p:sp>
+      <p:sp>
+        <p:nvSpPr>
+          <p:cNvPr id="3" name="Notes Placeholder 2"/>
+          <p:cNvSpPr>
+            <a:spLocks noGrp="1"/>
+          </p:cNvSpPr>
+          <p:nvPr>
+            <p:ph type="body" idx="1"/>
+          </p:nvPr>
+        </p:nvSpPr>
+        <p:spPr/>
+        <p:txBody>
+          <a:bodyPr/>
+          <a:lstStyle/>
+          <a:p>
+            <a:r>
+              <a:rPr lang="en-US" dirty="0"/>
+              <a:t>Byte – 8 bits</a:t>
+            </a:r>
+          </a:p>
+          <a:p>
+            <a:r>
+              <a:rPr lang="en-US" dirty="0"/>
+              <a:t>Short – 16 bits</a:t>
+            </a:r>
+          </a:p>
+          <a:p>
+            <a:r>
+              <a:rPr lang="en-US" dirty="0"/>
+              <a:t>Int – 32 bits</a:t>
+            </a:r>
+          </a:p>
+          <a:p>
+            <a:r>
+              <a:rPr lang="en-US" dirty="0"/>
+              <a:t>Long – 64 bits</a:t>
+            </a:r>
+          </a:p>
+          <a:p>
+            <a:r>
+              <a:rPr lang="en-US" dirty="0"/>
+              <a:t>Float – 32 bits</a:t>
+            </a:r>
+          </a:p>
+          <a:p>
+            <a:r>
+              <a:rPr lang="en-US" dirty="0"/>
+              <a:t>Double – 64 bits (More precise)</a:t>
+            </a:r>
+          </a:p>
+        </p:txBody>
+      </p:sp>
+      <p:sp>
+        <p:nvSpPr>
+          <p:cNvPr id="4" name="Slide Number Placeholder 3"/>
+          <p:cNvSpPr>
+            <a:spLocks noGrp="1"/>
+          </p:cNvSpPr>
+          <p:nvPr>
+            <p:ph type="sldNum" sz="quarter" idx="5"/>
+          </p:nvPr>
+        </p:nvSpPr>
+        <p:spPr/>
+        <p:txBody>
+          <a:bodyPr/>
+          <a:lstStyle/>
+          <a:p>
+            <a:fld id="{12AC35DA-9462-6A4F-A7AC-CDD8C541B644}" type="slidenum">
+              <a:rPr lang="en-US" smtClean="0"/>
+              <a:t>5</a:t>
+            </a:fld>
+            <a:endParaRPr lang="en-US"/>
+          </a:p>
+        </p:txBody>
+      </p:sp>
+    </p:spTree>
+    <p:extLst>
+      <p:ext uri="{BB962C8B-B14F-4D97-AF65-F5344CB8AC3E}">
+        <p14:creationId xmlns:p14="http://schemas.microsoft.com/office/powerpoint/2010/main" val="2752139956"/>
+      </p:ext>
+    </p:extLst>
+  </p:cSld>
+  <p:clrMapOvr>
+    <a:masterClrMapping/>
+  </p:clrMapOvr>
+</p:notes>
+</file>
+
+<file path=ppt/notesSlides/notesSlide2.xml><?xml version="1.0" encoding="utf-8"?>
+<p:notes xmlns:a="http://schemas.openxmlformats.org/drawingml/2006/main" xmlns:r="http://schemas.openxmlformats.org/officeDocument/2006/relationships" xmlns:p="http://schemas.openxmlformats.org/presentationml/2006/main">
+  <p:cSld>
+    <p:spTree>
+      <p:nvGrpSpPr>
+        <p:cNvPr id="1" name=""/>
+        <p:cNvGrpSpPr/>
+        <p:nvPr/>
+      </p:nvGrpSpPr>
+      <p:grpSpPr>
+        <a:xfrm>
+          <a:off x="0" y="0"/>
+          <a:ext cx="0" cy="0"/>
+          <a:chOff x="0" y="0"/>
+          <a:chExt cx="0" cy="0"/>
+        </a:xfrm>
+      </p:grpSpPr>
+      <p:sp>
+        <p:nvSpPr>
+          <p:cNvPr id="2" name="Slide Image Placeholder 1"/>
+          <p:cNvSpPr>
+            <a:spLocks noGrp="1" noRot="1" noChangeAspect="1"/>
+          </p:cNvSpPr>
+          <p:nvPr>
+            <p:ph type="sldImg"/>
+          </p:nvPr>
+        </p:nvSpPr>
+        <p:spPr/>
+      </p:sp>
+      <p:sp>
+        <p:nvSpPr>
+          <p:cNvPr id="3" name="Notes Placeholder 2"/>
+          <p:cNvSpPr>
+            <a:spLocks noGrp="1"/>
+          </p:cNvSpPr>
+          <p:nvPr>
+            <p:ph type="body" idx="1"/>
+          </p:nvPr>
+        </p:nvSpPr>
+        <p:spPr/>
+        <p:txBody>
+          <a:bodyPr/>
+          <a:lstStyle/>
+          <a:p>
+            <a:r>
+              <a:rPr lang="en-US" dirty="0"/>
+              <a:t>Conditional and</a:t>
+            </a:r>
+          </a:p>
+          <a:p>
+            <a:r>
+              <a:rPr lang="en-US" dirty="0"/>
+              <a:t>Conditional or</a:t>
+            </a:r>
+          </a:p>
+        </p:txBody>
+      </p:sp>
+      <p:sp>
+        <p:nvSpPr>
+          <p:cNvPr id="4" name="Slide Number Placeholder 3"/>
+          <p:cNvSpPr>
+            <a:spLocks noGrp="1"/>
+          </p:cNvSpPr>
+          <p:nvPr>
+            <p:ph type="sldNum" sz="quarter" idx="5"/>
+          </p:nvPr>
+        </p:nvSpPr>
+        <p:spPr/>
+        <p:txBody>
+          <a:bodyPr/>
+          <a:lstStyle/>
+          <a:p>
+            <a:fld id="{12AC35DA-9462-6A4F-A7AC-CDD8C541B644}" type="slidenum">
+              <a:rPr lang="en-US" smtClean="0"/>
+              <a:t>10</a:t>
+            </a:fld>
+            <a:endParaRPr lang="en-US"/>
+          </a:p>
+        </p:txBody>
+      </p:sp>
+    </p:spTree>
+    <p:extLst>
+      <p:ext uri="{BB962C8B-B14F-4D97-AF65-F5344CB8AC3E}">
+        <p14:creationId xmlns:p14="http://schemas.microsoft.com/office/powerpoint/2010/main" val="2226416772"/>
+      </p:ext>
+    </p:extLst>
+  </p:cSld>
+  <p:clrMapOvr>
+    <a:masterClrMapping/>
+  </p:clrMapOvr>
+</p:notes>
 </file>
 
 <file path=ppt/slideLayouts/slideLayout1.xml><?xml version="1.0" encoding="utf-8"?>
@@ -8054,12 +8264,9 @@
               <a:rPr lang="en-US" dirty="0"/>
               <a:t>Submitting things for us UTAs to grade is hard </a:t>
             </a:r>
-            <a:r>
-              <a:rPr lang="en-US" dirty="0">
-                <a:sym typeface="Wingdings" panose="05000000000000000000" pitchFamily="2" charset="2"/>
-              </a:rPr>
-              <a:t></a:t>
-            </a:r>
+            <a:endParaRPr lang="en-US" dirty="0">
+              <a:sym typeface="Wingdings" panose="05000000000000000000" pitchFamily="2" charset="2"/>
+            </a:endParaRPr>
           </a:p>
           <a:p>
             <a:r>
